--- a/01需求分析/docs/specs/00APU设计构想书-VAD01-20180322.pptx
+++ b/01需求分析/docs/specs/00APU设计构想书-VAD01-20180322.pptx
@@ -212,7 +212,7 @@
             <a:fld id="{3FC2EBE1-2D70-4089-BFB6-0162DA1C2B1E}" type="datetimeFigureOut">
               <a:rPr lang="zh-CN" altLang="en-US" smtClean="0"/>
               <a:pPr/>
-              <a:t>2018/3/20</a:t>
+              <a:t>2018/3/30</a:t>
             </a:fld>
             <a:endParaRPr lang="zh-CN" altLang="en-US"/>
           </a:p>
@@ -379,7 +379,7 @@
             <a:fld id="{C85464E2-75BB-4005-B759-130A14F71B02}" type="datetimeFigureOut">
               <a:rPr lang="zh-CN" altLang="en-US" smtClean="0"/>
               <a:pPr/>
-              <a:t>2018/3/20</a:t>
+              <a:t>2018/3/30</a:t>
             </a:fld>
             <a:endParaRPr lang="zh-CN" altLang="en-US"/>
           </a:p>
@@ -851,7 +851,7 @@
             <a:fld id="{3C8CAD73-1480-4762-BBE7-29E381459ECC}" type="datetimeFigureOut">
               <a:rPr lang="zh-CN" altLang="en-US" smtClean="0"/>
               <a:pPr/>
-              <a:t>2018/3/20</a:t>
+              <a:t>2018/3/30</a:t>
             </a:fld>
             <a:endParaRPr lang="zh-CN" altLang="en-US"/>
           </a:p>
@@ -1044,7 +1044,7 @@
             <a:fld id="{3C8CAD73-1480-4762-BBE7-29E381459ECC}" type="datetimeFigureOut">
               <a:rPr lang="zh-CN" altLang="en-US" smtClean="0"/>
               <a:pPr/>
-              <a:t>2018/3/20</a:t>
+              <a:t>2018/3/30</a:t>
             </a:fld>
             <a:endParaRPr lang="zh-CN" altLang="en-US"/>
           </a:p>
@@ -1275,7 +1275,7 @@
             <a:fld id="{3C8CAD73-1480-4762-BBE7-29E381459ECC}" type="datetimeFigureOut">
               <a:rPr lang="zh-CN" altLang="en-US" smtClean="0"/>
               <a:pPr/>
-              <a:t>2018/3/20</a:t>
+              <a:t>2018/3/30</a:t>
             </a:fld>
             <a:endParaRPr lang="zh-CN" altLang="en-US"/>
           </a:p>
@@ -37803,7 +37803,7 @@
           <p:nvPr>
             <p:extLst>
               <p:ext uri="{D42A27DB-BD31-4B8C-83A1-F6EECF244321}">
-                <p14:modId xmlns:p14="http://schemas.microsoft.com/office/powerpoint/2010/main" val="4170240720"/>
+                <p14:modId xmlns:p14="http://schemas.microsoft.com/office/powerpoint/2010/main" val="4117828635"/>
               </p:ext>
             </p:extLst>
           </p:nvPr>
@@ -40660,6 +40660,53 @@
                     <a:bodyPr/>
                     <a:lstStyle/>
                     <a:p>
+                      <a:pPr marL="0" marR="0" indent="0" algn="ctr" defTabSz="914400" rtl="0" eaLnBrk="1" fontAlgn="b" latinLnBrk="0" hangingPunct="1">
+                        <a:lnSpc>
+                          <a:spcPct val="100000"/>
+                        </a:lnSpc>
+                        <a:spcBef>
+                          <a:spcPts val="0"/>
+                        </a:spcBef>
+                        <a:spcAft>
+                          <a:spcPts val="0"/>
+                        </a:spcAft>
+                        <a:buClrTx/>
+                        <a:buSzTx/>
+                        <a:buFontTx/>
+                        <a:buNone/>
+                        <a:tabLst/>
+                        <a:defRPr/>
+                      </a:pPr>
+                      <a:r>
+                        <a:rPr lang="en-US" altLang="zh-CN" sz="1000" b="1" i="0" u="none" strike="noStrike" kern="1200" dirty="0" smtClean="0">
+                          <a:solidFill>
+                            <a:srgbClr val="000000"/>
+                          </a:solidFill>
+                          <a:effectLst/>
+                          <a:latin typeface="+mn-ea"/>
+                          <a:ea typeface="+mn-ea"/>
+                          <a:cs typeface="+mn-cs"/>
+                        </a:rPr>
+                        <a:t>R</a:t>
+                      </a:r>
+                      <a:endParaRPr lang="zh-CN" altLang="en-US" sz="1000" b="1" i="0" u="none" strike="noStrike" kern="1200" dirty="0" smtClean="0">
+                        <a:solidFill>
+                          <a:srgbClr val="000000"/>
+                        </a:solidFill>
+                        <a:effectLst/>
+                        <a:latin typeface="+mn-ea"/>
+                        <a:ea typeface="+mn-ea"/>
+                        <a:cs typeface="+mn-cs"/>
+                      </a:endParaRPr>
+                    </a:p>
+                  </a:txBody>
+                  <a:tcPr marL="0" marR="0" marT="0" marB="0" anchor="ctr"/>
+                </a:tc>
+                <a:tc>
+                  <a:txBody>
+                    <a:bodyPr/>
+                    <a:lstStyle/>
+                    <a:p>
                       <a:pPr algn="ctr" fontAlgn="b"/>
                       <a:endParaRPr lang="zh-CN" altLang="en-US" sz="1000" b="1" i="0" u="none" strike="noStrike" kern="1200" dirty="0">
                         <a:solidFill>
@@ -40698,6 +40745,190 @@
                     <a:bodyPr/>
                     <a:lstStyle/>
                     <a:p>
+                      <a:pPr algn="ctr" fontAlgn="ctr"/>
+                      <a:r>
+                        <a:rPr lang="en-US" altLang="zh-CN" sz="1000" b="1" i="0" u="none" strike="noStrike" kern="1200" dirty="0" smtClean="0">
+                          <a:solidFill>
+                            <a:srgbClr val="000000"/>
+                          </a:solidFill>
+                          <a:effectLst/>
+                          <a:latin typeface="+mn-ea"/>
+                          <a:ea typeface="+mn-ea"/>
+                          <a:cs typeface="+mn-cs"/>
+                        </a:rPr>
+                        <a:t>/</a:t>
+                      </a:r>
+                      <a:endParaRPr lang="en-US" altLang="zh-CN" sz="1000" b="1" i="0" u="none" strike="noStrike" kern="1200" dirty="0">
+                        <a:solidFill>
+                          <a:srgbClr val="000000"/>
+                        </a:solidFill>
+                        <a:effectLst/>
+                        <a:latin typeface="+mn-ea"/>
+                        <a:ea typeface="+mn-ea"/>
+                        <a:cs typeface="+mn-cs"/>
+                      </a:endParaRPr>
+                    </a:p>
+                  </a:txBody>
+                  <a:tcPr marL="0" marR="0" marT="0" marB="0" anchor="ctr"/>
+                </a:tc>
+                <a:tc>
+                  <a:txBody>
+                    <a:bodyPr/>
+                    <a:lstStyle/>
+                    <a:p>
+                      <a:pPr algn="ctr" fontAlgn="b"/>
+                      <a:r>
+                        <a:rPr lang="en-US" altLang="zh-CN" sz="1000" b="1" i="0" u="none" strike="noStrike" kern="1200" dirty="0" smtClean="0">
+                          <a:solidFill>
+                            <a:srgbClr val="000000"/>
+                          </a:solidFill>
+                          <a:effectLst/>
+                          <a:latin typeface="+mn-ea"/>
+                          <a:ea typeface="+mn-ea"/>
+                          <a:cs typeface="+mn-cs"/>
+                        </a:rPr>
+                        <a:t>R</a:t>
+                      </a:r>
+                      <a:endParaRPr lang="zh-CN" altLang="en-US" sz="1000" b="1" i="0" u="none" strike="noStrike" kern="1200" dirty="0">
+                        <a:solidFill>
+                          <a:srgbClr val="000000"/>
+                        </a:solidFill>
+                        <a:effectLst/>
+                        <a:latin typeface="+mn-ea"/>
+                        <a:ea typeface="+mn-ea"/>
+                        <a:cs typeface="+mn-cs"/>
+                      </a:endParaRPr>
+                    </a:p>
+                  </a:txBody>
+                  <a:tcPr marL="0" marR="0" marT="0" marB="0" anchor="ctr"/>
+                </a:tc>
+                <a:tc>
+                  <a:txBody>
+                    <a:bodyPr/>
+                    <a:lstStyle/>
+                    <a:p>
+                      <a:pPr algn="ctr" fontAlgn="b"/>
+                      <a:r>
+                        <a:rPr lang="en-US" altLang="zh-CN" sz="1000" b="1" i="0" u="none" strike="noStrike" kern="1200" dirty="0" smtClean="0">
+                          <a:solidFill>
+                            <a:srgbClr val="000000"/>
+                          </a:solidFill>
+                          <a:effectLst/>
+                          <a:latin typeface="+mn-ea"/>
+                          <a:ea typeface="+mn-ea"/>
+                          <a:cs typeface="+mn-cs"/>
+                        </a:rPr>
+                        <a:t>R</a:t>
+                      </a:r>
+                      <a:endParaRPr lang="zh-CN" altLang="en-US" sz="1000" b="1" i="0" u="none" strike="noStrike" kern="1200" dirty="0">
+                        <a:solidFill>
+                          <a:srgbClr val="000000"/>
+                        </a:solidFill>
+                        <a:effectLst/>
+                        <a:latin typeface="+mn-ea"/>
+                        <a:ea typeface="+mn-ea"/>
+                        <a:cs typeface="+mn-cs"/>
+                      </a:endParaRPr>
+                    </a:p>
+                  </a:txBody>
+                  <a:tcPr marL="0" marR="0" marT="0" marB="0" anchor="ctr"/>
+                </a:tc>
+              </a:tr>
+              <a:tr h="215998">
+                <a:tc>
+                  <a:txBody>
+                    <a:bodyPr/>
+                    <a:lstStyle/>
+                    <a:p>
+                      <a:pPr algn="ctr" fontAlgn="ctr"/>
+                      <a:endParaRPr lang="en-US" sz="1000" b="1" i="0" u="none" strike="noStrike" dirty="0">
+                        <a:solidFill>
+                          <a:srgbClr val="000000"/>
+                        </a:solidFill>
+                        <a:effectLst/>
+                        <a:latin typeface="Arial"/>
+                      </a:endParaRPr>
+                    </a:p>
+                  </a:txBody>
+                  <a:tcPr marL="0" marR="0" marT="0" marB="0" anchor="ctr">
+                    <a:solidFill>
+                      <a:schemeClr val="tx2">
+                        <a:lumMod val="20000"/>
+                        <a:lumOff val="80000"/>
+                      </a:schemeClr>
+                    </a:solidFill>
+                  </a:tcPr>
+                </a:tc>
+                <a:tc>
+                  <a:txBody>
+                    <a:bodyPr/>
+                    <a:lstStyle/>
+                    <a:p>
+                      <a:pPr algn="l" fontAlgn="ctr"/>
+                      <a:r>
+                        <a:rPr lang="zh-CN" altLang="en-US" sz="1000" b="0" i="0" u="none" strike="noStrike" dirty="0" smtClean="0">
+                          <a:solidFill>
+                            <a:srgbClr val="000000"/>
+                          </a:solidFill>
+                          <a:effectLst/>
+                          <a:latin typeface="Arial"/>
+                        </a:rPr>
+                        <a:t>制动踏板信号</a:t>
+                      </a:r>
+                      <a:endParaRPr lang="en-US" sz="1000" b="0" i="0" u="none" strike="noStrike" dirty="0">
+                        <a:solidFill>
+                          <a:srgbClr val="000000"/>
+                        </a:solidFill>
+                        <a:effectLst/>
+                        <a:latin typeface="Arial"/>
+                      </a:endParaRPr>
+                    </a:p>
+                  </a:txBody>
+                  <a:tcPr marL="0" marR="0" marT="0" marB="0" anchor="ctr">
+                    <a:solidFill>
+                      <a:schemeClr val="tx2">
+                        <a:lumMod val="20000"/>
+                        <a:lumOff val="80000"/>
+                      </a:schemeClr>
+                    </a:solidFill>
+                  </a:tcPr>
+                </a:tc>
+                <a:tc>
+                  <a:txBody>
+                    <a:bodyPr/>
+                    <a:lstStyle/>
+                    <a:p>
+                      <a:pPr algn="ctr" fontAlgn="b"/>
+                      <a:r>
+                        <a:rPr lang="en-US" altLang="zh-CN" sz="1000" b="1" i="0" u="none" strike="noStrike" kern="1200" dirty="0" smtClean="0">
+                          <a:solidFill>
+                            <a:srgbClr val="000000"/>
+                          </a:solidFill>
+                          <a:effectLst/>
+                          <a:latin typeface="+mn-ea"/>
+                          <a:ea typeface="+mn-ea"/>
+                          <a:cs typeface="+mn-cs"/>
+                        </a:rPr>
+                        <a:t>R</a:t>
+                      </a:r>
+                      <a:endParaRPr lang="zh-CN" altLang="en-US" sz="1000" b="1" i="0" u="none" strike="noStrike" kern="1200" dirty="0">
+                        <a:solidFill>
+                          <a:srgbClr val="000000"/>
+                        </a:solidFill>
+                        <a:effectLst/>
+                        <a:latin typeface="+mn-ea"/>
+                        <a:ea typeface="+mn-ea"/>
+                        <a:cs typeface="+mn-cs"/>
+                      </a:endParaRPr>
+                    </a:p>
+                  </a:txBody>
+                  <a:tcPr marL="0" marR="0" marT="0" marB="0" anchor="ctr"/>
+                </a:tc>
+                <a:tc>
+                  <a:txBody>
+                    <a:bodyPr/>
+                    <a:lstStyle/>
+                    <a:p>
                       <a:pPr algn="ctr" fontAlgn="b"/>
                       <a:endParaRPr lang="zh-CN" altLang="en-US" sz="1000" b="1" i="0" u="none" strike="noStrike" kern="1200" dirty="0">
                         <a:solidFill>
@@ -40717,6 +40948,37 @@
                     <a:bodyPr/>
                     <a:lstStyle/>
                     <a:p>
+                      <a:pPr algn="ctr" fontAlgn="b"/>
+                      <a:r>
+                        <a:rPr lang="en-US" altLang="zh-CN" sz="1000" b="1" i="0" u="none" strike="noStrike" kern="1200" dirty="0" smtClean="0">
+                          <a:solidFill>
+                            <a:srgbClr val="000000"/>
+                          </a:solidFill>
+                          <a:effectLst/>
+                          <a:latin typeface="+mn-ea"/>
+                          <a:ea typeface="+mn-ea"/>
+                          <a:cs typeface="+mn-cs"/>
+                        </a:rPr>
+                        <a:t>R</a:t>
+                      </a:r>
+                      <a:endParaRPr lang="zh-CN" altLang="en-US" sz="1000" b="1" i="0" u="none" strike="noStrike" kern="1200" dirty="0">
+                        <a:solidFill>
+                          <a:srgbClr val="000000"/>
+                        </a:solidFill>
+                        <a:effectLst/>
+                        <a:latin typeface="+mn-ea"/>
+                        <a:ea typeface="+mn-ea"/>
+                        <a:cs typeface="+mn-cs"/>
+                      </a:endParaRPr>
+                    </a:p>
+                  </a:txBody>
+                  <a:tcPr marL="0" marR="0" marT="0" marB="0" anchor="ctr"/>
+                </a:tc>
+                <a:tc>
+                  <a:txBody>
+                    <a:bodyPr/>
+                    <a:lstStyle/>
+                    <a:p>
                       <a:pPr algn="ctr" fontAlgn="ctr"/>
                       <a:r>
                         <a:rPr lang="en-US" altLang="zh-CN" sz="1000" b="1" i="0" u="none" strike="noStrike" kern="1200" dirty="0" smtClean="0">
@@ -40749,6 +41011,104 @@
                     <a:lstStyle/>
                     <a:p>
                       <a:pPr algn="ctr" fontAlgn="b"/>
+                      <a:endParaRPr lang="zh-CN" altLang="en-US" sz="1000" b="1" i="0" u="none" strike="noStrike" kern="1200" dirty="0">
+                        <a:solidFill>
+                          <a:srgbClr val="000000"/>
+                        </a:solidFill>
+                        <a:effectLst/>
+                        <a:latin typeface="+mn-ea"/>
+                        <a:ea typeface="+mn-ea"/>
+                        <a:cs typeface="+mn-cs"/>
+                      </a:endParaRPr>
+                    </a:p>
+                  </a:txBody>
+                  <a:tcPr marL="0" marR="0" marT="0" marB="0" anchor="ctr"/>
+                </a:tc>
+                <a:tc>
+                  <a:txBody>
+                    <a:bodyPr/>
+                    <a:lstStyle/>
+                    <a:p>
+                      <a:pPr algn="ctr" fontAlgn="b"/>
+                      <a:endParaRPr lang="zh-CN" altLang="en-US" sz="1000" b="1" i="0" u="none" strike="noStrike" kern="1200" dirty="0">
+                        <a:solidFill>
+                          <a:srgbClr val="000000"/>
+                        </a:solidFill>
+                        <a:effectLst/>
+                        <a:latin typeface="+mn-ea"/>
+                        <a:ea typeface="+mn-ea"/>
+                        <a:cs typeface="+mn-cs"/>
+                      </a:endParaRPr>
+                    </a:p>
+                  </a:txBody>
+                  <a:tcPr marL="0" marR="0" marT="0" marB="0" anchor="ctr"/>
+                </a:tc>
+              </a:tr>
+              <a:tr h="215998">
+                <a:tc>
+                  <a:txBody>
+                    <a:bodyPr/>
+                    <a:lstStyle/>
+                    <a:p>
+                      <a:pPr algn="ctr" fontAlgn="ctr"/>
+                      <a:endParaRPr lang="en-US" sz="1000" b="1" i="0" u="none" strike="noStrike" dirty="0">
+                        <a:solidFill>
+                          <a:srgbClr val="000000"/>
+                        </a:solidFill>
+                        <a:effectLst/>
+                        <a:latin typeface="Arial"/>
+                      </a:endParaRPr>
+                    </a:p>
+                  </a:txBody>
+                  <a:tcPr marL="0" marR="0" marT="0" marB="0" anchor="ctr">
+                    <a:solidFill>
+                      <a:schemeClr val="tx2">
+                        <a:lumMod val="20000"/>
+                        <a:lumOff val="80000"/>
+                      </a:schemeClr>
+                    </a:solidFill>
+                  </a:tcPr>
+                </a:tc>
+                <a:tc>
+                  <a:txBody>
+                    <a:bodyPr/>
+                    <a:lstStyle/>
+                    <a:p>
+                      <a:pPr algn="l" fontAlgn="ctr"/>
+                      <a:r>
+                        <a:rPr lang="zh-CN" altLang="en-US" sz="1000" b="0" i="0" u="none" strike="noStrike" dirty="0" smtClean="0">
+                          <a:solidFill>
+                            <a:srgbClr val="000000"/>
+                          </a:solidFill>
+                          <a:effectLst/>
+                          <a:latin typeface="Arial"/>
+                        </a:rPr>
+                        <a:t>上电信号</a:t>
+                      </a:r>
+                      <a:endParaRPr lang="en-US" sz="1000" b="0" i="0" u="none" strike="noStrike" dirty="0">
+                        <a:solidFill>
+                          <a:srgbClr val="000000"/>
+                        </a:solidFill>
+                        <a:effectLst/>
+                        <a:latin typeface="Arial"/>
+                      </a:endParaRPr>
+                    </a:p>
+                  </a:txBody>
+                  <a:tcPr marL="0" marR="0" marT="0" marB="0" anchor="ctr">
+                    <a:solidFill>
+                      <a:schemeClr val="tx2">
+                        <a:lumMod val="20000"/>
+                        <a:lumOff val="80000"/>
+                      </a:schemeClr>
+                    </a:solidFill>
+                  </a:tcPr>
+                </a:tc>
+                <a:tc>
+                  <a:txBody>
+                    <a:bodyPr/>
+                    <a:lstStyle/>
+                    <a:p>
+                      <a:pPr algn="ctr" fontAlgn="b"/>
                       <a:r>
                         <a:rPr lang="en-US" altLang="zh-CN" sz="1000" b="1" i="0" u="none" strike="noStrike" kern="1200" dirty="0" smtClean="0">
                           <a:solidFill>
@@ -40780,6 +41140,161 @@
                     <a:lstStyle/>
                     <a:p>
                       <a:pPr algn="ctr" fontAlgn="b"/>
+                      <a:endParaRPr lang="zh-CN" altLang="en-US" sz="1000" b="1" i="0" u="none" strike="noStrike" kern="1200" dirty="0">
+                        <a:solidFill>
+                          <a:srgbClr val="000000"/>
+                        </a:solidFill>
+                        <a:effectLst/>
+                        <a:latin typeface="+mn-ea"/>
+                        <a:ea typeface="+mn-ea"/>
+                        <a:cs typeface="+mn-cs"/>
+                      </a:endParaRPr>
+                    </a:p>
+                  </a:txBody>
+                  <a:tcPr marL="0" marR="0" marT="0" marB="0" anchor="ctr"/>
+                </a:tc>
+                <a:tc>
+                  <a:txBody>
+                    <a:bodyPr/>
+                    <a:lstStyle/>
+                    <a:p>
+                      <a:pPr algn="ctr" fontAlgn="b"/>
+                      <a:endParaRPr lang="zh-CN" altLang="en-US" sz="1000" b="1" i="0" u="none" strike="noStrike" kern="1200" dirty="0">
+                        <a:solidFill>
+                          <a:srgbClr val="000000"/>
+                        </a:solidFill>
+                        <a:effectLst/>
+                        <a:latin typeface="+mn-ea"/>
+                        <a:ea typeface="+mn-ea"/>
+                        <a:cs typeface="+mn-cs"/>
+                      </a:endParaRPr>
+                    </a:p>
+                  </a:txBody>
+                  <a:tcPr marL="0" marR="0" marT="0" marB="0" anchor="ctr"/>
+                </a:tc>
+                <a:tc>
+                  <a:txBody>
+                    <a:bodyPr/>
+                    <a:lstStyle/>
+                    <a:p>
+                      <a:pPr algn="ctr" fontAlgn="ctr"/>
+                      <a:endParaRPr lang="en-US" altLang="zh-CN" sz="1000" b="1" i="0" u="none" strike="noStrike" kern="1200" dirty="0">
+                        <a:solidFill>
+                          <a:srgbClr val="000000"/>
+                        </a:solidFill>
+                        <a:effectLst/>
+                        <a:latin typeface="+mn-ea"/>
+                        <a:ea typeface="+mn-ea"/>
+                        <a:cs typeface="+mn-cs"/>
+                      </a:endParaRPr>
+                    </a:p>
+                  </a:txBody>
+                  <a:tcPr marL="0" marR="0" marT="0" marB="0" anchor="ctr"/>
+                </a:tc>
+                <a:tc>
+                  <a:txBody>
+                    <a:bodyPr/>
+                    <a:lstStyle/>
+                    <a:p>
+                      <a:pPr algn="ctr" fontAlgn="b"/>
+                      <a:endParaRPr lang="zh-CN" altLang="en-US" sz="1000" b="1" i="0" u="none" strike="noStrike" kern="1200" dirty="0">
+                        <a:solidFill>
+                          <a:srgbClr val="000000"/>
+                        </a:solidFill>
+                        <a:effectLst/>
+                        <a:latin typeface="+mn-ea"/>
+                        <a:ea typeface="+mn-ea"/>
+                        <a:cs typeface="+mn-cs"/>
+                      </a:endParaRPr>
+                    </a:p>
+                  </a:txBody>
+                  <a:tcPr marL="0" marR="0" marT="0" marB="0" anchor="ctr"/>
+                </a:tc>
+                <a:tc>
+                  <a:txBody>
+                    <a:bodyPr/>
+                    <a:lstStyle/>
+                    <a:p>
+                      <a:pPr algn="ctr" fontAlgn="b"/>
+                      <a:endParaRPr lang="zh-CN" altLang="en-US" sz="1000" b="1" i="0" u="none" strike="noStrike" kern="1200" dirty="0">
+                        <a:solidFill>
+                          <a:srgbClr val="000000"/>
+                        </a:solidFill>
+                        <a:effectLst/>
+                        <a:latin typeface="+mn-ea"/>
+                        <a:ea typeface="+mn-ea"/>
+                        <a:cs typeface="+mn-cs"/>
+                      </a:endParaRPr>
+                    </a:p>
+                  </a:txBody>
+                  <a:tcPr marL="0" marR="0" marT="0" marB="0" anchor="ctr"/>
+                </a:tc>
+              </a:tr>
+              <a:tr h="215998">
+                <a:tc>
+                  <a:txBody>
+                    <a:bodyPr/>
+                    <a:lstStyle/>
+                    <a:p>
+                      <a:pPr algn="ctr" fontAlgn="ctr"/>
+                      <a:endParaRPr lang="en-US" sz="1000" b="1" i="0" u="none" strike="noStrike" dirty="0">
+                        <a:solidFill>
+                          <a:srgbClr val="000000"/>
+                        </a:solidFill>
+                        <a:effectLst/>
+                        <a:latin typeface="Arial"/>
+                      </a:endParaRPr>
+                    </a:p>
+                  </a:txBody>
+                  <a:tcPr marL="0" marR="0" marT="0" marB="0" anchor="ctr">
+                    <a:solidFill>
+                      <a:schemeClr val="tx2">
+                        <a:lumMod val="20000"/>
+                        <a:lumOff val="80000"/>
+                      </a:schemeClr>
+                    </a:solidFill>
+                  </a:tcPr>
+                </a:tc>
+                <a:tc>
+                  <a:txBody>
+                    <a:bodyPr/>
+                    <a:lstStyle/>
+                    <a:p>
+                      <a:pPr algn="l" fontAlgn="ctr"/>
+                      <a:r>
+                        <a:rPr lang="zh-CN" altLang="en-US" sz="1000" b="0" i="0" u="none" strike="noStrike" dirty="0" smtClean="0">
+                          <a:solidFill>
+                            <a:srgbClr val="000000"/>
+                          </a:solidFill>
+                          <a:effectLst/>
+                          <a:latin typeface="Arial"/>
+                        </a:rPr>
+                        <a:t>电机当前转速</a:t>
+                      </a:r>
+                      <a:endParaRPr lang="en-US" sz="1000" b="0" i="0" u="none" strike="noStrike" dirty="0">
+                        <a:solidFill>
+                          <a:srgbClr val="000000"/>
+                        </a:solidFill>
+                        <a:effectLst/>
+                        <a:latin typeface="Arial"/>
+                      </a:endParaRPr>
+                    </a:p>
+                  </a:txBody>
+                  <a:tcPr marL="0" marR="0" marT="0" marB="0" anchor="ctr">
+                    <a:solidFill>
+                      <a:schemeClr val="tx2">
+                        <a:lumMod val="20000"/>
+                        <a:lumOff val="80000"/>
+                      </a:schemeClr>
+                    </a:solidFill>
+                  </a:tcPr>
+                </a:tc>
+                <a:tc>
+                  <a:txBody>
+                    <a:bodyPr/>
+                    <a:lstStyle/>
+                    <a:p>
+                      <a:pPr algn="ctr" fontAlgn="b"/>
                       <a:r>
                         <a:rPr lang="en-US" altLang="zh-CN" sz="1000" b="1" i="0" u="none" strike="noStrike" kern="1200" dirty="0" smtClean="0">
                           <a:solidFill>
@@ -40805,65 +41320,93 @@
                   </a:txBody>
                   <a:tcPr marL="0" marR="0" marT="0" marB="0" anchor="ctr"/>
                 </a:tc>
-              </a:tr>
-              <a:tr h="215998">
-                <a:tc>
-                  <a:txBody>
-                    <a:bodyPr/>
-                    <a:lstStyle/>
-                    <a:p>
-                      <a:pPr algn="ctr" fontAlgn="ctr"/>
-                      <a:endParaRPr lang="en-US" sz="1000" b="1" i="0" u="none" strike="noStrike" dirty="0">
+                <a:tc>
+                  <a:txBody>
+                    <a:bodyPr/>
+                    <a:lstStyle/>
+                    <a:p>
+                      <a:pPr algn="ctr" fontAlgn="b"/>
+                      <a:endParaRPr lang="zh-CN" altLang="en-US" sz="1000" b="1" i="0" u="none" strike="noStrike" kern="1200" dirty="0">
                         <a:solidFill>
                           <a:srgbClr val="000000"/>
                         </a:solidFill>
                         <a:effectLst/>
-                        <a:latin typeface="Arial"/>
+                        <a:latin typeface="+mn-ea"/>
+                        <a:ea typeface="+mn-ea"/>
+                        <a:cs typeface="+mn-cs"/>
                       </a:endParaRPr>
                     </a:p>
                   </a:txBody>
-                  <a:tcPr marL="0" marR="0" marT="0" marB="0" anchor="ctr">
-                    <a:solidFill>
-                      <a:schemeClr val="tx2">
-                        <a:lumMod val="20000"/>
-                        <a:lumOff val="80000"/>
-                      </a:schemeClr>
-                    </a:solidFill>
-                  </a:tcPr>
-                </a:tc>
-                <a:tc>
-                  <a:txBody>
-                    <a:bodyPr/>
-                    <a:lstStyle/>
-                    <a:p>
-                      <a:pPr algn="l" fontAlgn="ctr"/>
-                      <a:r>
-                        <a:rPr lang="zh-CN" altLang="en-US" sz="1000" b="0" i="0" u="none" strike="noStrike" dirty="0" smtClean="0">
+                  <a:tcPr marL="0" marR="0" marT="0" marB="0" anchor="ctr"/>
+                </a:tc>
+                <a:tc>
+                  <a:txBody>
+                    <a:bodyPr/>
+                    <a:lstStyle/>
+                    <a:p>
+                      <a:pPr algn="ctr" fontAlgn="b"/>
+                      <a:endParaRPr lang="zh-CN" altLang="en-US" sz="1000" b="1" i="0" u="none" strike="noStrike" kern="1200" dirty="0">
+                        <a:solidFill>
+                          <a:srgbClr val="000000"/>
+                        </a:solidFill>
+                        <a:effectLst/>
+                        <a:latin typeface="+mn-ea"/>
+                        <a:ea typeface="+mn-ea"/>
+                        <a:cs typeface="+mn-cs"/>
+                      </a:endParaRPr>
+                    </a:p>
+                  </a:txBody>
+                  <a:tcPr marL="0" marR="0" marT="0" marB="0" anchor="ctr"/>
+                </a:tc>
+                <a:tc>
+                  <a:txBody>
+                    <a:bodyPr/>
+                    <a:lstStyle/>
+                    <a:p>
+                      <a:pPr algn="ctr" fontAlgn="ctr"/>
+                      <a:r>
+                        <a:rPr lang="en-US" altLang="zh-CN" sz="1000" b="1" i="0" u="none" strike="noStrike" kern="1200" dirty="0" smtClean="0">
                           <a:solidFill>
                             <a:srgbClr val="000000"/>
                           </a:solidFill>
                           <a:effectLst/>
-                          <a:latin typeface="Arial"/>
+                          <a:latin typeface="+mn-ea"/>
+                          <a:ea typeface="+mn-ea"/>
+                          <a:cs typeface="+mn-cs"/>
                         </a:rPr>
-                        <a:t>制动踏板信号</a:t>
-                      </a:r>
-                      <a:endParaRPr lang="en-US" sz="1000" b="0" i="0" u="none" strike="noStrike" dirty="0">
+                        <a:t>/</a:t>
+                      </a:r>
+                      <a:endParaRPr lang="en-US" altLang="zh-CN" sz="1000" b="1" i="0" u="none" strike="noStrike" kern="1200" dirty="0">
                         <a:solidFill>
                           <a:srgbClr val="000000"/>
                         </a:solidFill>
                         <a:effectLst/>
-                        <a:latin typeface="Arial"/>
+                        <a:latin typeface="+mn-ea"/>
+                        <a:ea typeface="+mn-ea"/>
+                        <a:cs typeface="+mn-cs"/>
                       </a:endParaRPr>
                     </a:p>
                   </a:txBody>
-                  <a:tcPr marL="0" marR="0" marT="0" marB="0" anchor="ctr">
-                    <a:solidFill>
-                      <a:schemeClr val="tx2">
-                        <a:lumMod val="20000"/>
-                        <a:lumOff val="80000"/>
-                      </a:schemeClr>
-                    </a:solidFill>
-                  </a:tcPr>
+                  <a:tcPr marL="0" marR="0" marT="0" marB="0" anchor="ctr"/>
+                </a:tc>
+                <a:tc>
+                  <a:txBody>
+                    <a:bodyPr/>
+                    <a:lstStyle/>
+                    <a:p>
+                      <a:pPr algn="ctr" fontAlgn="b"/>
+                      <a:endParaRPr lang="zh-CN" altLang="en-US" sz="1000" b="1" i="0" u="none" strike="noStrike" kern="1200" dirty="0">
+                        <a:solidFill>
+                          <a:srgbClr val="000000"/>
+                        </a:solidFill>
+                        <a:effectLst/>
+                        <a:latin typeface="+mn-ea"/>
+                        <a:ea typeface="+mn-ea"/>
+                        <a:cs typeface="+mn-cs"/>
+                      </a:endParaRPr>
+                    </a:p>
+                  </a:txBody>
+                  <a:tcPr marL="0" marR="0" marT="0" marB="0" anchor="ctr"/>
                 </a:tc>
                 <a:tc>
                   <a:txBody>
@@ -40896,6 +41439,97 @@
                   </a:txBody>
                   <a:tcPr marL="0" marR="0" marT="0" marB="0" anchor="ctr"/>
                 </a:tc>
+              </a:tr>
+              <a:tr h="215998">
+                <a:tc>
+                  <a:txBody>
+                    <a:bodyPr/>
+                    <a:lstStyle/>
+                    <a:p>
+                      <a:pPr algn="ctr" fontAlgn="ctr"/>
+                      <a:endParaRPr lang="en-US" sz="1000" b="1" i="0" u="none" strike="noStrike" dirty="0">
+                        <a:solidFill>
+                          <a:srgbClr val="000000"/>
+                        </a:solidFill>
+                        <a:effectLst/>
+                        <a:latin typeface="Arial"/>
+                      </a:endParaRPr>
+                    </a:p>
+                  </a:txBody>
+                  <a:tcPr marL="0" marR="0" marT="0" marB="0" anchor="ctr">
+                    <a:solidFill>
+                      <a:schemeClr val="tx2">
+                        <a:lumMod val="20000"/>
+                        <a:lumOff val="80000"/>
+                      </a:schemeClr>
+                    </a:solidFill>
+                  </a:tcPr>
+                </a:tc>
+                <a:tc>
+                  <a:txBody>
+                    <a:bodyPr/>
+                    <a:lstStyle/>
+                    <a:p>
+                      <a:pPr algn="l" fontAlgn="ctr"/>
+                      <a:r>
+                        <a:rPr lang="zh-CN" altLang="en-US" sz="1000" b="0" i="0" u="none" strike="noStrike" dirty="0" smtClean="0">
+                          <a:solidFill>
+                            <a:srgbClr val="000000"/>
+                          </a:solidFill>
+                          <a:effectLst/>
+                          <a:latin typeface="Arial"/>
+                        </a:rPr>
+                        <a:t>电机当前转矩</a:t>
+                      </a:r>
+                      <a:endParaRPr lang="en-US" sz="1000" b="0" i="0" u="none" strike="noStrike" dirty="0">
+                        <a:solidFill>
+                          <a:srgbClr val="000000"/>
+                        </a:solidFill>
+                        <a:effectLst/>
+                        <a:latin typeface="Arial"/>
+                      </a:endParaRPr>
+                    </a:p>
+                  </a:txBody>
+                  <a:tcPr marL="0" marR="0" marT="0" marB="0" anchor="ctr">
+                    <a:solidFill>
+                      <a:schemeClr val="tx2">
+                        <a:lumMod val="20000"/>
+                        <a:lumOff val="80000"/>
+                      </a:schemeClr>
+                    </a:solidFill>
+                  </a:tcPr>
+                </a:tc>
+                <a:tc>
+                  <a:txBody>
+                    <a:bodyPr/>
+                    <a:lstStyle/>
+                    <a:p>
+                      <a:pPr algn="ctr" fontAlgn="b"/>
+                      <a:r>
+                        <a:rPr lang="en-US" altLang="zh-CN" sz="1000" b="1" i="0" u="none" strike="noStrike" kern="1200" dirty="0" smtClean="0">
+                          <a:solidFill>
+                            <a:srgbClr val="000000"/>
+                          </a:solidFill>
+                          <a:effectLst/>
+                          <a:latin typeface="+mn-ea"/>
+                          <a:ea typeface="+mn-ea"/>
+                          <a:cs typeface="+mn-cs"/>
+                        </a:rPr>
+                        <a:t>R</a:t>
+                      </a:r>
+                      <a:endParaRPr lang="zh-CN" altLang="en-US" sz="1000" b="1" i="0" u="none" strike="noStrike" kern="1200" dirty="0">
+                        <a:solidFill>
+                          <a:srgbClr val="000000"/>
+                        </a:solidFill>
+                        <a:effectLst/>
+                        <a:latin typeface="+mn-ea"/>
+                        <a:ea typeface="+mn-ea"/>
+                        <a:cs typeface="+mn-cs"/>
+                      </a:endParaRPr>
+                    </a:p>
+                  </a:txBody>
+                  <a:tcPr marL="0" marR="0" marT="0" marB="0" anchor="ctr"/>
+                </a:tc>
                 <a:tc>
                   <a:txBody>
                     <a:bodyPr/>
@@ -40921,6 +41555,154 @@
                     <a:lstStyle/>
                     <a:p>
                       <a:pPr algn="ctr" fontAlgn="b"/>
+                      <a:endParaRPr lang="zh-CN" altLang="en-US" sz="1000" b="1" i="0" u="none" strike="noStrike" kern="1200" dirty="0">
+                        <a:solidFill>
+                          <a:srgbClr val="000000"/>
+                        </a:solidFill>
+                        <a:effectLst/>
+                        <a:latin typeface="+mn-ea"/>
+                        <a:ea typeface="+mn-ea"/>
+                        <a:cs typeface="+mn-cs"/>
+                      </a:endParaRPr>
+                    </a:p>
+                  </a:txBody>
+                  <a:tcPr marL="0" marR="0" marT="0" marB="0" anchor="ctr"/>
+                </a:tc>
+                <a:tc>
+                  <a:txBody>
+                    <a:bodyPr/>
+                    <a:lstStyle/>
+                    <a:p>
+                      <a:pPr algn="ctr" fontAlgn="ctr"/>
+                      <a:r>
+                        <a:rPr lang="en-US" altLang="zh-CN" sz="1000" b="1" i="0" u="none" strike="noStrike" kern="1200" dirty="0" smtClean="0">
+                          <a:solidFill>
+                            <a:srgbClr val="000000"/>
+                          </a:solidFill>
+                          <a:effectLst/>
+                          <a:latin typeface="+mn-ea"/>
+                          <a:ea typeface="+mn-ea"/>
+                          <a:cs typeface="+mn-cs"/>
+                        </a:rPr>
+                        <a:t>/</a:t>
+                      </a:r>
+                      <a:endParaRPr lang="en-US" altLang="zh-CN" sz="1000" b="1" i="0" u="none" strike="noStrike" kern="1200" dirty="0">
+                        <a:solidFill>
+                          <a:srgbClr val="000000"/>
+                        </a:solidFill>
+                        <a:effectLst/>
+                        <a:latin typeface="+mn-ea"/>
+                        <a:ea typeface="+mn-ea"/>
+                        <a:cs typeface="+mn-cs"/>
+                      </a:endParaRPr>
+                    </a:p>
+                  </a:txBody>
+                  <a:tcPr marL="0" marR="0" marT="0" marB="0" anchor="ctr"/>
+                </a:tc>
+                <a:tc>
+                  <a:txBody>
+                    <a:bodyPr/>
+                    <a:lstStyle/>
+                    <a:p>
+                      <a:pPr algn="ctr" fontAlgn="b"/>
+                      <a:endParaRPr lang="zh-CN" altLang="en-US" sz="1000" b="1" i="0" u="none" strike="noStrike" kern="1200" dirty="0">
+                        <a:solidFill>
+                          <a:srgbClr val="000000"/>
+                        </a:solidFill>
+                        <a:effectLst/>
+                        <a:latin typeface="+mn-ea"/>
+                        <a:ea typeface="+mn-ea"/>
+                        <a:cs typeface="+mn-cs"/>
+                      </a:endParaRPr>
+                    </a:p>
+                  </a:txBody>
+                  <a:tcPr marL="0" marR="0" marT="0" marB="0" anchor="ctr"/>
+                </a:tc>
+                <a:tc>
+                  <a:txBody>
+                    <a:bodyPr/>
+                    <a:lstStyle/>
+                    <a:p>
+                      <a:pPr algn="ctr" fontAlgn="b"/>
+                      <a:endParaRPr lang="zh-CN" altLang="en-US" sz="1000" b="1" i="0" u="none" strike="noStrike" kern="1200" dirty="0">
+                        <a:solidFill>
+                          <a:srgbClr val="000000"/>
+                        </a:solidFill>
+                        <a:effectLst/>
+                        <a:latin typeface="+mn-ea"/>
+                        <a:ea typeface="+mn-ea"/>
+                        <a:cs typeface="+mn-cs"/>
+                      </a:endParaRPr>
+                    </a:p>
+                  </a:txBody>
+                  <a:tcPr marL="0" marR="0" marT="0" marB="0" anchor="ctr"/>
+                </a:tc>
+              </a:tr>
+              <a:tr h="215998">
+                <a:tc>
+                  <a:txBody>
+                    <a:bodyPr/>
+                    <a:lstStyle/>
+                    <a:p>
+                      <a:pPr algn="ctr" fontAlgn="ctr"/>
+                      <a:endParaRPr lang="en-US" sz="1000" b="1" i="0" u="none" strike="noStrike" dirty="0">
+                        <a:solidFill>
+                          <a:srgbClr val="000000"/>
+                        </a:solidFill>
+                        <a:effectLst/>
+                        <a:latin typeface="Arial"/>
+                      </a:endParaRPr>
+                    </a:p>
+                  </a:txBody>
+                  <a:tcPr marL="0" marR="0" marT="0" marB="0" anchor="ctr">
+                    <a:solidFill>
+                      <a:schemeClr val="tx2">
+                        <a:lumMod val="20000"/>
+                        <a:lumOff val="80000"/>
+                      </a:schemeClr>
+                    </a:solidFill>
+                  </a:tcPr>
+                </a:tc>
+                <a:tc>
+                  <a:txBody>
+                    <a:bodyPr/>
+                    <a:lstStyle/>
+                    <a:p>
+                      <a:pPr algn="l" fontAlgn="ctr"/>
+                      <a:r>
+                        <a:rPr lang="zh-CN" altLang="en-US" sz="1000" b="0" i="0" u="none" strike="noStrike" dirty="0" smtClean="0">
+                          <a:solidFill>
+                            <a:srgbClr val="000000"/>
+                          </a:solidFill>
+                          <a:effectLst/>
+                          <a:latin typeface="Arial"/>
+                        </a:rPr>
+                        <a:t>电机电流</a:t>
+                      </a:r>
+                      <a:endParaRPr lang="en-US" sz="1000" b="0" i="0" u="none" strike="noStrike" dirty="0">
+                        <a:solidFill>
+                          <a:srgbClr val="000000"/>
+                        </a:solidFill>
+                        <a:effectLst/>
+                        <a:latin typeface="Arial"/>
+                      </a:endParaRPr>
+                    </a:p>
+                  </a:txBody>
+                  <a:tcPr marL="0" marR="0" marT="0" marB="0" anchor="ctr">
+                    <a:solidFill>
+                      <a:schemeClr val="tx2">
+                        <a:lumMod val="20000"/>
+                        <a:lumOff val="80000"/>
+                      </a:schemeClr>
+                    </a:solidFill>
+                  </a:tcPr>
+                </a:tc>
+                <a:tc>
+                  <a:txBody>
+                    <a:bodyPr/>
+                    <a:lstStyle/>
+                    <a:p>
+                      <a:pPr algn="ctr" fontAlgn="b"/>
                       <a:r>
                         <a:rPr lang="en-US" altLang="zh-CN" sz="1000" b="1" i="0" u="none" strike="noStrike" kern="1200" dirty="0" smtClean="0">
                           <a:solidFill>
@@ -40951,6 +41733,44 @@
                     <a:bodyPr/>
                     <a:lstStyle/>
                     <a:p>
+                      <a:pPr algn="ctr" fontAlgn="b"/>
+                      <a:endParaRPr lang="zh-CN" altLang="en-US" sz="1000" b="1" i="0" u="none" strike="noStrike" kern="1200" dirty="0">
+                        <a:solidFill>
+                          <a:srgbClr val="000000"/>
+                        </a:solidFill>
+                        <a:effectLst/>
+                        <a:latin typeface="+mn-ea"/>
+                        <a:ea typeface="+mn-ea"/>
+                        <a:cs typeface="+mn-cs"/>
+                      </a:endParaRPr>
+                    </a:p>
+                  </a:txBody>
+                  <a:tcPr marL="0" marR="0" marT="0" marB="0" anchor="ctr"/>
+                </a:tc>
+                <a:tc>
+                  <a:txBody>
+                    <a:bodyPr/>
+                    <a:lstStyle/>
+                    <a:p>
+                      <a:pPr algn="ctr" fontAlgn="b"/>
+                      <a:endParaRPr lang="zh-CN" altLang="en-US" sz="1000" b="1" i="0" u="none" strike="noStrike" kern="1200" dirty="0">
+                        <a:solidFill>
+                          <a:srgbClr val="000000"/>
+                        </a:solidFill>
+                        <a:effectLst/>
+                        <a:latin typeface="+mn-ea"/>
+                        <a:ea typeface="+mn-ea"/>
+                        <a:cs typeface="+mn-cs"/>
+                      </a:endParaRPr>
+                    </a:p>
+                  </a:txBody>
+                  <a:tcPr marL="0" marR="0" marT="0" marB="0" anchor="ctr"/>
+                </a:tc>
+                <a:tc>
+                  <a:txBody>
+                    <a:bodyPr/>
+                    <a:lstStyle/>
+                    <a:p>
                       <a:pPr algn="ctr" fontAlgn="ctr"/>
                       <a:r>
                         <a:rPr lang="en-US" altLang="zh-CN" sz="1000" b="1" i="0" u="none" strike="noStrike" kern="1200" dirty="0" smtClean="0">
@@ -41002,85 +41822,6 @@
                     <a:lstStyle/>
                     <a:p>
                       <a:pPr algn="ctr" fontAlgn="b"/>
-                      <a:endParaRPr lang="zh-CN" altLang="en-US" sz="1000" b="1" i="0" u="none" strike="noStrike" kern="1200" dirty="0">
-                        <a:solidFill>
-                          <a:srgbClr val="000000"/>
-                        </a:solidFill>
-                        <a:effectLst/>
-                        <a:latin typeface="+mn-ea"/>
-                        <a:ea typeface="+mn-ea"/>
-                        <a:cs typeface="+mn-cs"/>
-                      </a:endParaRPr>
-                    </a:p>
-                  </a:txBody>
-                  <a:tcPr marL="0" marR="0" marT="0" marB="0" anchor="ctr"/>
-                </a:tc>
-              </a:tr>
-              <a:tr h="215998">
-                <a:tc>
-                  <a:txBody>
-                    <a:bodyPr/>
-                    <a:lstStyle/>
-                    <a:p>
-                      <a:pPr algn="ctr" fontAlgn="ctr"/>
-                      <a:endParaRPr lang="en-US" sz="1000" b="1" i="0" u="none" strike="noStrike" dirty="0">
-                        <a:solidFill>
-                          <a:srgbClr val="000000"/>
-                        </a:solidFill>
-                        <a:effectLst/>
-                        <a:latin typeface="Arial"/>
-                      </a:endParaRPr>
-                    </a:p>
-                  </a:txBody>
-                  <a:tcPr marL="0" marR="0" marT="0" marB="0" anchor="ctr">
-                    <a:solidFill>
-                      <a:schemeClr val="tx2">
-                        <a:lumMod val="20000"/>
-                        <a:lumOff val="80000"/>
-                      </a:schemeClr>
-                    </a:solidFill>
-                  </a:tcPr>
-                </a:tc>
-                <a:tc>
-                  <a:txBody>
-                    <a:bodyPr/>
-                    <a:lstStyle/>
-                    <a:p>
-                      <a:pPr algn="l" fontAlgn="ctr"/>
-                      <a:r>
-                        <a:rPr lang="zh-CN" altLang="en-US" sz="1000" b="0" i="0" u="none" strike="noStrike" dirty="0" smtClean="0">
-                          <a:solidFill>
-                            <a:srgbClr val="000000"/>
-                          </a:solidFill>
-                          <a:effectLst/>
-                          <a:latin typeface="Arial"/>
-                        </a:rPr>
-                        <a:t>上电信号</a:t>
-                      </a:r>
-                      <a:endParaRPr lang="en-US" sz="1000" b="0" i="0" u="none" strike="noStrike" dirty="0">
-                        <a:solidFill>
-                          <a:srgbClr val="000000"/>
-                        </a:solidFill>
-                        <a:effectLst/>
-                        <a:latin typeface="Arial"/>
-                      </a:endParaRPr>
-                    </a:p>
-                  </a:txBody>
-                  <a:tcPr marL="0" marR="0" marT="0" marB="0" anchor="ctr">
-                    <a:solidFill>
-                      <a:schemeClr val="tx2">
-                        <a:lumMod val="20000"/>
-                        <a:lumOff val="80000"/>
-                      </a:schemeClr>
-                    </a:solidFill>
-                  </a:tcPr>
-                </a:tc>
-                <a:tc>
-                  <a:txBody>
-                    <a:bodyPr/>
-                    <a:lstStyle/>
-                    <a:p>
-                      <a:pPr algn="ctr" fontAlgn="b"/>
                       <a:r>
                         <a:rPr lang="en-US" altLang="zh-CN" sz="1000" b="1" i="0" u="none" strike="noStrike" kern="1200" dirty="0" smtClean="0">
                           <a:solidFill>
@@ -41106,6 +41847,97 @@
                   </a:txBody>
                   <a:tcPr marL="0" marR="0" marT="0" marB="0" anchor="ctr"/>
                 </a:tc>
+              </a:tr>
+              <a:tr h="215998">
+                <a:tc>
+                  <a:txBody>
+                    <a:bodyPr/>
+                    <a:lstStyle/>
+                    <a:p>
+                      <a:pPr algn="ctr" fontAlgn="ctr"/>
+                      <a:endParaRPr lang="en-US" sz="1000" b="1" i="0" u="none" strike="noStrike" dirty="0">
+                        <a:solidFill>
+                          <a:srgbClr val="000000"/>
+                        </a:solidFill>
+                        <a:effectLst/>
+                        <a:latin typeface="Arial"/>
+                      </a:endParaRPr>
+                    </a:p>
+                  </a:txBody>
+                  <a:tcPr marL="0" marR="0" marT="0" marB="0" anchor="ctr">
+                    <a:solidFill>
+                      <a:schemeClr val="tx2">
+                        <a:lumMod val="20000"/>
+                        <a:lumOff val="80000"/>
+                      </a:schemeClr>
+                    </a:solidFill>
+                  </a:tcPr>
+                </a:tc>
+                <a:tc>
+                  <a:txBody>
+                    <a:bodyPr/>
+                    <a:lstStyle/>
+                    <a:p>
+                      <a:pPr algn="l" fontAlgn="ctr"/>
+                      <a:r>
+                        <a:rPr lang="zh-CN" altLang="en-US" sz="1000" b="0" i="0" u="none" strike="noStrike" dirty="0" smtClean="0">
+                          <a:solidFill>
+                            <a:srgbClr val="000000"/>
+                          </a:solidFill>
+                          <a:effectLst/>
+                          <a:latin typeface="Arial"/>
+                        </a:rPr>
+                        <a:t>电机电压</a:t>
+                      </a:r>
+                      <a:endParaRPr lang="en-US" sz="1000" b="0" i="0" u="none" strike="noStrike" dirty="0">
+                        <a:solidFill>
+                          <a:srgbClr val="000000"/>
+                        </a:solidFill>
+                        <a:effectLst/>
+                        <a:latin typeface="Arial"/>
+                      </a:endParaRPr>
+                    </a:p>
+                  </a:txBody>
+                  <a:tcPr marL="0" marR="0" marT="0" marB="0" anchor="ctr">
+                    <a:solidFill>
+                      <a:schemeClr val="tx2">
+                        <a:lumMod val="20000"/>
+                        <a:lumOff val="80000"/>
+                      </a:schemeClr>
+                    </a:solidFill>
+                  </a:tcPr>
+                </a:tc>
+                <a:tc>
+                  <a:txBody>
+                    <a:bodyPr/>
+                    <a:lstStyle/>
+                    <a:p>
+                      <a:pPr algn="ctr" fontAlgn="b"/>
+                      <a:r>
+                        <a:rPr lang="en-US" altLang="zh-CN" sz="1000" b="1" i="0" u="none" strike="noStrike" kern="1200" dirty="0" smtClean="0">
+                          <a:solidFill>
+                            <a:srgbClr val="000000"/>
+                          </a:solidFill>
+                          <a:effectLst/>
+                          <a:latin typeface="+mn-ea"/>
+                          <a:ea typeface="+mn-ea"/>
+                          <a:cs typeface="+mn-cs"/>
+                        </a:rPr>
+                        <a:t>R</a:t>
+                      </a:r>
+                      <a:endParaRPr lang="zh-CN" altLang="en-US" sz="1000" b="1" i="0" u="none" strike="noStrike" kern="1200" dirty="0">
+                        <a:solidFill>
+                          <a:srgbClr val="000000"/>
+                        </a:solidFill>
+                        <a:effectLst/>
+                        <a:latin typeface="+mn-ea"/>
+                        <a:ea typeface="+mn-ea"/>
+                        <a:cs typeface="+mn-cs"/>
+                      </a:endParaRPr>
+                    </a:p>
+                  </a:txBody>
+                  <a:tcPr marL="0" marR="0" marT="0" marB="0" anchor="ctr"/>
+                </a:tc>
                 <a:tc>
                   <a:txBody>
                     <a:bodyPr/>
@@ -41150,6 +41982,18 @@
                     <a:lstStyle/>
                     <a:p>
                       <a:pPr algn="ctr" fontAlgn="ctr"/>
+                      <a:r>
+                        <a:rPr lang="en-US" altLang="zh-CN" sz="1000" b="1" i="0" u="none" strike="noStrike" kern="1200" dirty="0" smtClean="0">
+                          <a:solidFill>
+                            <a:srgbClr val="000000"/>
+                          </a:solidFill>
+                          <a:effectLst/>
+                          <a:latin typeface="+mn-ea"/>
+                          <a:ea typeface="+mn-ea"/>
+                          <a:cs typeface="+mn-cs"/>
+                        </a:rPr>
+                        <a:t>/</a:t>
+                      </a:r>
                       <a:endParaRPr lang="en-US" altLang="zh-CN" sz="1000" b="1" i="0" u="none" strike="noStrike" kern="1200" dirty="0">
                         <a:solidFill>
                           <a:srgbClr val="000000"/>
@@ -41188,85 +42032,6 @@
                     <a:lstStyle/>
                     <a:p>
                       <a:pPr algn="ctr" fontAlgn="b"/>
-                      <a:endParaRPr lang="zh-CN" altLang="en-US" sz="1000" b="1" i="0" u="none" strike="noStrike" kern="1200" dirty="0">
-                        <a:solidFill>
-                          <a:srgbClr val="000000"/>
-                        </a:solidFill>
-                        <a:effectLst/>
-                        <a:latin typeface="+mn-ea"/>
-                        <a:ea typeface="+mn-ea"/>
-                        <a:cs typeface="+mn-cs"/>
-                      </a:endParaRPr>
-                    </a:p>
-                  </a:txBody>
-                  <a:tcPr marL="0" marR="0" marT="0" marB="0" anchor="ctr"/>
-                </a:tc>
-              </a:tr>
-              <a:tr h="215998">
-                <a:tc>
-                  <a:txBody>
-                    <a:bodyPr/>
-                    <a:lstStyle/>
-                    <a:p>
-                      <a:pPr algn="ctr" fontAlgn="ctr"/>
-                      <a:endParaRPr lang="en-US" sz="1000" b="1" i="0" u="none" strike="noStrike" dirty="0">
-                        <a:solidFill>
-                          <a:srgbClr val="000000"/>
-                        </a:solidFill>
-                        <a:effectLst/>
-                        <a:latin typeface="Arial"/>
-                      </a:endParaRPr>
-                    </a:p>
-                  </a:txBody>
-                  <a:tcPr marL="0" marR="0" marT="0" marB="0" anchor="ctr">
-                    <a:solidFill>
-                      <a:schemeClr val="tx2">
-                        <a:lumMod val="20000"/>
-                        <a:lumOff val="80000"/>
-                      </a:schemeClr>
-                    </a:solidFill>
-                  </a:tcPr>
-                </a:tc>
-                <a:tc>
-                  <a:txBody>
-                    <a:bodyPr/>
-                    <a:lstStyle/>
-                    <a:p>
-                      <a:pPr algn="l" fontAlgn="ctr"/>
-                      <a:r>
-                        <a:rPr lang="zh-CN" altLang="en-US" sz="1000" b="0" i="0" u="none" strike="noStrike" dirty="0" smtClean="0">
-                          <a:solidFill>
-                            <a:srgbClr val="000000"/>
-                          </a:solidFill>
-                          <a:effectLst/>
-                          <a:latin typeface="Arial"/>
-                        </a:rPr>
-                        <a:t>电机当前转速</a:t>
-                      </a:r>
-                      <a:endParaRPr lang="en-US" sz="1000" b="0" i="0" u="none" strike="noStrike" dirty="0">
-                        <a:solidFill>
-                          <a:srgbClr val="000000"/>
-                        </a:solidFill>
-                        <a:effectLst/>
-                        <a:latin typeface="Arial"/>
-                      </a:endParaRPr>
-                    </a:p>
-                  </a:txBody>
-                  <a:tcPr marL="0" marR="0" marT="0" marB="0" anchor="ctr">
-                    <a:solidFill>
-                      <a:schemeClr val="tx2">
-                        <a:lumMod val="20000"/>
-                        <a:lumOff val="80000"/>
-                      </a:schemeClr>
-                    </a:solidFill>
-                  </a:tcPr>
-                </a:tc>
-                <a:tc>
-                  <a:txBody>
-                    <a:bodyPr/>
-                    <a:lstStyle/>
-                    <a:p>
-                      <a:pPr algn="ctr" fontAlgn="b"/>
                       <a:r>
                         <a:rPr lang="en-US" altLang="zh-CN" sz="1000" b="1" i="0" u="none" strike="noStrike" kern="1200" dirty="0" smtClean="0">
                           <a:solidFill>
@@ -41292,93 +42057,71 @@
                   </a:txBody>
                   <a:tcPr marL="0" marR="0" marT="0" marB="0" anchor="ctr"/>
                 </a:tc>
-                <a:tc>
-                  <a:txBody>
-                    <a:bodyPr/>
-                    <a:lstStyle/>
-                    <a:p>
-                      <a:pPr algn="ctr" fontAlgn="b"/>
-                      <a:endParaRPr lang="zh-CN" altLang="en-US" sz="1000" b="1" i="0" u="none" strike="noStrike" kern="1200" dirty="0">
+              </a:tr>
+              <a:tr h="215998">
+                <a:tc>
+                  <a:txBody>
+                    <a:bodyPr/>
+                    <a:lstStyle/>
+                    <a:p>
+                      <a:pPr algn="ctr" fontAlgn="ctr"/>
+                      <a:r>
+                        <a:rPr lang="en-US" sz="1000" u="none" strike="noStrike" dirty="0">
+                          <a:effectLst/>
+                        </a:rPr>
+                        <a:t>BCM</a:t>
+                      </a:r>
+                      <a:endParaRPr lang="en-US" sz="1000" b="1" i="0" u="none" strike="noStrike" dirty="0">
                         <a:solidFill>
                           <a:srgbClr val="000000"/>
                         </a:solidFill>
                         <a:effectLst/>
-                        <a:latin typeface="+mn-ea"/>
-                        <a:ea typeface="+mn-ea"/>
-                        <a:cs typeface="+mn-cs"/>
+                        <a:latin typeface="Arial"/>
                       </a:endParaRPr>
                     </a:p>
                   </a:txBody>
-                  <a:tcPr marL="0" marR="0" marT="0" marB="0" anchor="ctr"/>
-                </a:tc>
-                <a:tc>
-                  <a:txBody>
-                    <a:bodyPr/>
-                    <a:lstStyle/>
-                    <a:p>
-                      <a:pPr algn="ctr" fontAlgn="b"/>
-                      <a:endParaRPr lang="zh-CN" altLang="en-US" sz="1000" b="1" i="0" u="none" strike="noStrike" kern="1200" dirty="0">
+                  <a:tcPr marL="0" marR="0" marT="0" marB="0" anchor="ctr">
+                    <a:solidFill>
+                      <a:schemeClr val="accent1">
+                        <a:lumMod val="20000"/>
+                        <a:lumOff val="80000"/>
+                      </a:schemeClr>
+                    </a:solidFill>
+                  </a:tcPr>
+                </a:tc>
+                <a:tc>
+                  <a:txBody>
+                    <a:bodyPr/>
+                    <a:lstStyle/>
+                    <a:p>
+                      <a:pPr algn="l" fontAlgn="ctr"/>
+                      <a:r>
+                        <a:rPr lang="zh-CN" altLang="en-US" sz="1000" b="0" i="0" u="none" strike="noStrike" dirty="0" smtClean="0">
+                          <a:solidFill>
+                            <a:srgbClr val="000000"/>
+                          </a:solidFill>
+                          <a:effectLst/>
+                          <a:latin typeface="Arial"/>
+                        </a:rPr>
+                        <a:t>车外环境温度</a:t>
+                      </a:r>
+                      <a:endParaRPr lang="en-US" sz="1000" b="0" i="0" u="none" strike="noStrike" dirty="0">
                         <a:solidFill>
                           <a:srgbClr val="000000"/>
                         </a:solidFill>
                         <a:effectLst/>
-                        <a:latin typeface="+mn-ea"/>
-                        <a:ea typeface="+mn-ea"/>
-                        <a:cs typeface="+mn-cs"/>
+                        <a:latin typeface="Arial"/>
                       </a:endParaRPr>
                     </a:p>
                   </a:txBody>
-                  <a:tcPr marL="0" marR="0" marT="0" marB="0" anchor="ctr"/>
-                </a:tc>
-                <a:tc>
-                  <a:txBody>
-                    <a:bodyPr/>
-                    <a:lstStyle/>
-                    <a:p>
-                      <a:pPr algn="ctr" fontAlgn="ctr"/>
-                      <a:r>
-                        <a:rPr lang="en-US" altLang="zh-CN" sz="1000" b="1" i="0" u="none" strike="noStrike" kern="1200" dirty="0" smtClean="0">
-                          <a:solidFill>
-                            <a:srgbClr val="000000"/>
-                          </a:solidFill>
-                          <a:effectLst/>
-                          <a:latin typeface="+mn-ea"/>
-                          <a:ea typeface="+mn-ea"/>
-                          <a:cs typeface="+mn-cs"/>
-                        </a:rPr>
-                        <a:t>/</a:t>
-                      </a:r>
-                      <a:endParaRPr lang="en-US" altLang="zh-CN" sz="1000" b="1" i="0" u="none" strike="noStrike" kern="1200" dirty="0">
-                        <a:solidFill>
-                          <a:srgbClr val="000000"/>
-                        </a:solidFill>
-                        <a:effectLst/>
-                        <a:latin typeface="+mn-ea"/>
-                        <a:ea typeface="+mn-ea"/>
-                        <a:cs typeface="+mn-cs"/>
-                      </a:endParaRPr>
-                    </a:p>
-                  </a:txBody>
-                  <a:tcPr marL="0" marR="0" marT="0" marB="0" anchor="ctr"/>
-                </a:tc>
-                <a:tc>
-                  <a:txBody>
-                    <a:bodyPr/>
-                    <a:lstStyle/>
-                    <a:p>
-                      <a:pPr algn="ctr" fontAlgn="b"/>
-                      <a:endParaRPr lang="zh-CN" altLang="en-US" sz="1000" b="1" i="0" u="none" strike="noStrike" kern="1200" dirty="0">
-                        <a:solidFill>
-                          <a:srgbClr val="000000"/>
-                        </a:solidFill>
-                        <a:effectLst/>
-                        <a:latin typeface="+mn-ea"/>
-                        <a:ea typeface="+mn-ea"/>
-                        <a:cs typeface="+mn-cs"/>
-                      </a:endParaRPr>
-                    </a:p>
-                  </a:txBody>
-                  <a:tcPr marL="0" marR="0" marT="0" marB="0" anchor="ctr"/>
+                  <a:tcPr marL="0" marR="0" marT="0" marB="0" anchor="ctr">
+                    <a:solidFill>
+                      <a:schemeClr val="accent1">
+                        <a:lumMod val="20000"/>
+                        <a:lumOff val="80000"/>
+                      </a:schemeClr>
+                    </a:solidFill>
+                  </a:tcPr>
                 </a:tc>
                 <a:tc>
                   <a:txBody>
@@ -41411,65 +42154,93 @@
                   </a:txBody>
                   <a:tcPr marL="0" marR="0" marT="0" marB="0" anchor="ctr"/>
                 </a:tc>
-              </a:tr>
-              <a:tr h="215998">
-                <a:tc>
-                  <a:txBody>
-                    <a:bodyPr/>
-                    <a:lstStyle/>
-                    <a:p>
-                      <a:pPr algn="ctr" fontAlgn="ctr"/>
-                      <a:endParaRPr lang="en-US" sz="1000" b="1" i="0" u="none" strike="noStrike" dirty="0">
-                        <a:solidFill>
-                          <a:srgbClr val="000000"/>
-                        </a:solidFill>
-                        <a:effectLst/>
-                        <a:latin typeface="Arial"/>
-                      </a:endParaRPr>
-                    </a:p>
-                  </a:txBody>
-                  <a:tcPr marL="0" marR="0" marT="0" marB="0" anchor="ctr">
-                    <a:solidFill>
-                      <a:schemeClr val="tx2">
-                        <a:lumMod val="20000"/>
-                        <a:lumOff val="80000"/>
-                      </a:schemeClr>
-                    </a:solidFill>
-                  </a:tcPr>
-                </a:tc>
-                <a:tc>
-                  <a:txBody>
-                    <a:bodyPr/>
-                    <a:lstStyle/>
-                    <a:p>
-                      <a:pPr algn="l" fontAlgn="ctr"/>
-                      <a:r>
-                        <a:rPr lang="zh-CN" altLang="en-US" sz="1000" b="0" i="0" u="none" strike="noStrike" dirty="0" smtClean="0">
+                <a:tc>
+                  <a:txBody>
+                    <a:bodyPr/>
+                    <a:lstStyle/>
+                    <a:p>
+                      <a:pPr algn="ctr" fontAlgn="b"/>
+                      <a:r>
+                        <a:rPr lang="zh-CN" altLang="en-US" sz="1000" b="1" i="0" u="none" strike="noStrike" kern="1200" dirty="0">
                           <a:solidFill>
                             <a:srgbClr val="000000"/>
                           </a:solidFill>
                           <a:effectLst/>
-                          <a:latin typeface="Arial"/>
+                          <a:latin typeface="+mn-ea"/>
+                          <a:ea typeface="+mn-ea"/>
+                          <a:cs typeface="+mn-cs"/>
                         </a:rPr>
-                        <a:t>电机当前转矩</a:t>
-                      </a:r>
-                      <a:endParaRPr lang="en-US" sz="1000" b="0" i="0" u="none" strike="noStrike" dirty="0">
-                        <a:solidFill>
-                          <a:srgbClr val="000000"/>
-                        </a:solidFill>
-                        <a:effectLst/>
-                        <a:latin typeface="Arial"/>
-                      </a:endParaRPr>
-                    </a:p>
-                  </a:txBody>
-                  <a:tcPr marL="0" marR="0" marT="0" marB="0" anchor="ctr">
-                    <a:solidFill>
-                      <a:schemeClr val="tx2">
-                        <a:lumMod val="20000"/>
-                        <a:lumOff val="80000"/>
-                      </a:schemeClr>
-                    </a:solidFill>
-                  </a:tcPr>
+                        <a:t>　</a:t>
+                      </a:r>
+                    </a:p>
+                  </a:txBody>
+                  <a:tcPr marL="0" marR="0" marT="0" marB="0" anchor="ctr"/>
+                </a:tc>
+                <a:tc>
+                  <a:txBody>
+                    <a:bodyPr/>
+                    <a:lstStyle/>
+                    <a:p>
+                      <a:pPr algn="ctr" fontAlgn="b"/>
+                      <a:r>
+                        <a:rPr lang="zh-CN" altLang="en-US" sz="1000" b="1" i="0" u="none" strike="noStrike" kern="1200" dirty="0">
+                          <a:solidFill>
+                            <a:srgbClr val="000000"/>
+                          </a:solidFill>
+                          <a:effectLst/>
+                          <a:latin typeface="+mn-ea"/>
+                          <a:ea typeface="+mn-ea"/>
+                          <a:cs typeface="+mn-cs"/>
+                        </a:rPr>
+                        <a:t>　</a:t>
+                      </a:r>
+                    </a:p>
+                  </a:txBody>
+                  <a:tcPr marL="0" marR="0" marT="0" marB="0" anchor="ctr"/>
+                </a:tc>
+                <a:tc>
+                  <a:txBody>
+                    <a:bodyPr/>
+                    <a:lstStyle/>
+                    <a:p>
+                      <a:pPr algn="ctr" fontAlgn="ctr"/>
+                      <a:r>
+                        <a:rPr lang="zh-CN" altLang="en-US" sz="1000" b="1" i="0" u="none" strike="noStrike" kern="1200" dirty="0">
+                          <a:solidFill>
+                            <a:srgbClr val="000000"/>
+                          </a:solidFill>
+                          <a:effectLst/>
+                          <a:latin typeface="+mn-ea"/>
+                          <a:ea typeface="+mn-ea"/>
+                          <a:cs typeface="+mn-cs"/>
+                        </a:rPr>
+                        <a:t>　</a:t>
+                      </a:r>
+                    </a:p>
+                  </a:txBody>
+                  <a:tcPr marL="0" marR="0" marT="0" marB="0" anchor="ctr"/>
+                </a:tc>
+                <a:tc>
+                  <a:txBody>
+                    <a:bodyPr/>
+                    <a:lstStyle/>
+                    <a:p>
+                      <a:pPr algn="ctr" fontAlgn="ctr"/>
+                      <a:r>
+                        <a:rPr lang="en-US" altLang="zh-CN" sz="1000" b="1" i="0" u="none" strike="noStrike" kern="1200" dirty="0">
+                          <a:solidFill>
+                            <a:srgbClr val="000000"/>
+                          </a:solidFill>
+                          <a:effectLst/>
+                          <a:latin typeface="+mn-ea"/>
+                          <a:ea typeface="+mn-ea"/>
+                          <a:cs typeface="+mn-cs"/>
+                        </a:rPr>
+                        <a:t>/</a:t>
+                      </a:r>
+                    </a:p>
+                  </a:txBody>
+                  <a:tcPr marL="0" marR="0" marT="0" marB="0" anchor="ctr"/>
                 </a:tc>
                 <a:tc>
                   <a:txBody>
@@ -41489,65 +42260,8 @@
                         </a:rPr>
                         <a:t>R</a:t>
                       </a:r>
-                      <a:endParaRPr lang="zh-CN" altLang="en-US" sz="1000" b="1" i="0" u="none" strike="noStrike" kern="1200" dirty="0">
-                        <a:solidFill>
-                          <a:srgbClr val="000000"/>
-                        </a:solidFill>
-                        <a:effectLst/>
-                        <a:latin typeface="+mn-ea"/>
-                        <a:ea typeface="+mn-ea"/>
-                        <a:cs typeface="+mn-cs"/>
-                      </a:endParaRPr>
-                    </a:p>
-                  </a:txBody>
-                  <a:tcPr marL="0" marR="0" marT="0" marB="0" anchor="ctr"/>
-                </a:tc>
-                <a:tc>
-                  <a:txBody>
-                    <a:bodyPr/>
-                    <a:lstStyle/>
-                    <a:p>
-                      <a:pPr algn="ctr" fontAlgn="b"/>
-                      <a:endParaRPr lang="zh-CN" altLang="en-US" sz="1000" b="1" i="0" u="none" strike="noStrike" kern="1200" dirty="0">
-                        <a:solidFill>
-                          <a:srgbClr val="000000"/>
-                        </a:solidFill>
-                        <a:effectLst/>
-                        <a:latin typeface="+mn-ea"/>
-                        <a:ea typeface="+mn-ea"/>
-                        <a:cs typeface="+mn-cs"/>
-                      </a:endParaRPr>
-                    </a:p>
-                  </a:txBody>
-                  <a:tcPr marL="0" marR="0" marT="0" marB="0" anchor="ctr"/>
-                </a:tc>
-                <a:tc>
-                  <a:txBody>
-                    <a:bodyPr/>
-                    <a:lstStyle/>
-                    <a:p>
-                      <a:pPr algn="ctr" fontAlgn="b"/>
-                      <a:endParaRPr lang="zh-CN" altLang="en-US" sz="1000" b="1" i="0" u="none" strike="noStrike" kern="1200" dirty="0">
-                        <a:solidFill>
-                          <a:srgbClr val="000000"/>
-                        </a:solidFill>
-                        <a:effectLst/>
-                        <a:latin typeface="+mn-ea"/>
-                        <a:ea typeface="+mn-ea"/>
-                        <a:cs typeface="+mn-cs"/>
-                      </a:endParaRPr>
-                    </a:p>
-                  </a:txBody>
-                  <a:tcPr marL="0" marR="0" marT="0" marB="0" anchor="ctr"/>
-                </a:tc>
-                <a:tc>
-                  <a:txBody>
-                    <a:bodyPr/>
-                    <a:lstStyle/>
-                    <a:p>
-                      <a:pPr algn="ctr" fontAlgn="ctr"/>
-                      <a:r>
-                        <a:rPr lang="en-US" altLang="zh-CN" sz="1000" b="1" i="0" u="none" strike="noStrike" kern="1200" dirty="0" smtClean="0">
+                      <a:r>
+                        <a:rPr lang="zh-CN" altLang="en-US" sz="1000" b="1" i="0" u="none" strike="noStrike" kern="1200" dirty="0">
                           <a:solidFill>
                             <a:srgbClr val="000000"/>
                           </a:solidFill>
@@ -41556,55 +42270,8 @@
                           <a:ea typeface="+mn-ea"/>
                           <a:cs typeface="+mn-cs"/>
                         </a:rPr>
-                        <a:t>/</a:t>
-                      </a:r>
-                      <a:endParaRPr lang="en-US" altLang="zh-CN" sz="1000" b="1" i="0" u="none" strike="noStrike" kern="1200" dirty="0">
-                        <a:solidFill>
-                          <a:srgbClr val="000000"/>
-                        </a:solidFill>
-                        <a:effectLst/>
-                        <a:latin typeface="+mn-ea"/>
-                        <a:ea typeface="+mn-ea"/>
-                        <a:cs typeface="+mn-cs"/>
-                      </a:endParaRPr>
-                    </a:p>
-                  </a:txBody>
-                  <a:tcPr marL="0" marR="0" marT="0" marB="0" anchor="ctr"/>
-                </a:tc>
-                <a:tc>
-                  <a:txBody>
-                    <a:bodyPr/>
-                    <a:lstStyle/>
-                    <a:p>
-                      <a:pPr algn="ctr" fontAlgn="b"/>
-                      <a:endParaRPr lang="zh-CN" altLang="en-US" sz="1000" b="1" i="0" u="none" strike="noStrike" kern="1200" dirty="0">
-                        <a:solidFill>
-                          <a:srgbClr val="000000"/>
-                        </a:solidFill>
-                        <a:effectLst/>
-                        <a:latin typeface="+mn-ea"/>
-                        <a:ea typeface="+mn-ea"/>
-                        <a:cs typeface="+mn-cs"/>
-                      </a:endParaRPr>
-                    </a:p>
-                  </a:txBody>
-                  <a:tcPr marL="0" marR="0" marT="0" marB="0" anchor="ctr"/>
-                </a:tc>
-                <a:tc>
-                  <a:txBody>
-                    <a:bodyPr/>
-                    <a:lstStyle/>
-                    <a:p>
-                      <a:pPr algn="ctr" fontAlgn="b"/>
-                      <a:endParaRPr lang="zh-CN" altLang="en-US" sz="1000" b="1" i="0" u="none" strike="noStrike" kern="1200" dirty="0">
-                        <a:solidFill>
-                          <a:srgbClr val="000000"/>
-                        </a:solidFill>
-                        <a:effectLst/>
-                        <a:latin typeface="+mn-ea"/>
-                        <a:ea typeface="+mn-ea"/>
-                        <a:cs typeface="+mn-cs"/>
-                      </a:endParaRPr>
+                        <a:t>　</a:t>
+                      </a:r>
                     </a:p>
                   </a:txBody>
                   <a:tcPr marL="0" marR="0" marT="0" marB="0" anchor="ctr"/>
@@ -41628,7 +42295,7 @@
                   </a:txBody>
                   <a:tcPr marL="0" marR="0" marT="0" marB="0" anchor="ctr">
                     <a:solidFill>
-                      <a:schemeClr val="tx2">
+                      <a:schemeClr val="accent1">
                         <a:lumMod val="20000"/>
                         <a:lumOff val="80000"/>
                       </a:schemeClr>
@@ -41649,7 +42316,7 @@
                           <a:effectLst/>
                           <a:latin typeface="Arial"/>
                         </a:rPr>
-                        <a:t>电机电流</a:t>
+                        <a:t>灯光控制信号</a:t>
                       </a:r>
                       <a:endParaRPr lang="en-US" sz="1000" b="0" i="0" u="none" strike="noStrike" dirty="0">
                         <a:solidFill>
@@ -41662,7 +42329,7 @@
                   </a:txBody>
                   <a:tcPr marL="0" marR="0" marT="0" marB="0" anchor="ctr">
                     <a:solidFill>
-                      <a:schemeClr val="tx2">
+                      <a:schemeClr val="accent1">
                         <a:lumMod val="20000"/>
                         <a:lumOff val="80000"/>
                       </a:schemeClr>
@@ -41674,7 +42341,23 @@
                     <a:bodyPr/>
                     <a:lstStyle/>
                     <a:p>
-                      <a:pPr algn="ctr" fontAlgn="b"/>
+                      <a:pPr marL="0" marR="0" indent="0" algn="ctr" defTabSz="914400" rtl="0" eaLnBrk="1" fontAlgn="b" latinLnBrk="0" hangingPunct="1">
+                        <a:lnSpc>
+                          <a:spcPct val="100000"/>
+                        </a:lnSpc>
+                        <a:spcBef>
+                          <a:spcPts val="0"/>
+                        </a:spcBef>
+                        <a:spcAft>
+                          <a:spcPts val="0"/>
+                        </a:spcAft>
+                        <a:buClrTx/>
+                        <a:buSzTx/>
+                        <a:buFontTx/>
+                        <a:buNone/>
+                        <a:tabLst/>
+                        <a:defRPr/>
+                      </a:pPr>
                       <a:r>
                         <a:rPr lang="en-US" altLang="zh-CN" sz="1000" b="1" i="0" u="none" strike="noStrike" kern="1200" dirty="0" smtClean="0">
                           <a:solidFill>
@@ -41687,634 +42370,7 @@
                         </a:rPr>
                         <a:t>R</a:t>
                       </a:r>
-                      <a:endParaRPr lang="zh-CN" altLang="en-US" sz="1000" b="1" i="0" u="none" strike="noStrike" kern="1200" dirty="0">
-                        <a:solidFill>
-                          <a:srgbClr val="000000"/>
-                        </a:solidFill>
-                        <a:effectLst/>
-                        <a:latin typeface="+mn-ea"/>
-                        <a:ea typeface="+mn-ea"/>
-                        <a:cs typeface="+mn-cs"/>
-                      </a:endParaRPr>
-                    </a:p>
-                  </a:txBody>
-                  <a:tcPr marL="0" marR="0" marT="0" marB="0" anchor="ctr"/>
-                </a:tc>
-                <a:tc>
-                  <a:txBody>
-                    <a:bodyPr/>
-                    <a:lstStyle/>
-                    <a:p>
-                      <a:pPr algn="ctr" fontAlgn="b"/>
-                      <a:endParaRPr lang="zh-CN" altLang="en-US" sz="1000" b="1" i="0" u="none" strike="noStrike" kern="1200" dirty="0">
-                        <a:solidFill>
-                          <a:srgbClr val="000000"/>
-                        </a:solidFill>
-                        <a:effectLst/>
-                        <a:latin typeface="+mn-ea"/>
-                        <a:ea typeface="+mn-ea"/>
-                        <a:cs typeface="+mn-cs"/>
-                      </a:endParaRPr>
-                    </a:p>
-                  </a:txBody>
-                  <a:tcPr marL="0" marR="0" marT="0" marB="0" anchor="ctr"/>
-                </a:tc>
-                <a:tc>
-                  <a:txBody>
-                    <a:bodyPr/>
-                    <a:lstStyle/>
-                    <a:p>
-                      <a:pPr algn="ctr" fontAlgn="b"/>
-                      <a:endParaRPr lang="zh-CN" altLang="en-US" sz="1000" b="1" i="0" u="none" strike="noStrike" kern="1200" dirty="0">
-                        <a:solidFill>
-                          <a:srgbClr val="000000"/>
-                        </a:solidFill>
-                        <a:effectLst/>
-                        <a:latin typeface="+mn-ea"/>
-                        <a:ea typeface="+mn-ea"/>
-                        <a:cs typeface="+mn-cs"/>
-                      </a:endParaRPr>
-                    </a:p>
-                  </a:txBody>
-                  <a:tcPr marL="0" marR="0" marT="0" marB="0" anchor="ctr"/>
-                </a:tc>
-                <a:tc>
-                  <a:txBody>
-                    <a:bodyPr/>
-                    <a:lstStyle/>
-                    <a:p>
-                      <a:pPr algn="ctr" fontAlgn="ctr"/>
-                      <a:r>
-                        <a:rPr lang="en-US" altLang="zh-CN" sz="1000" b="1" i="0" u="none" strike="noStrike" kern="1200" dirty="0" smtClean="0">
-                          <a:solidFill>
-                            <a:srgbClr val="000000"/>
-                          </a:solidFill>
-                          <a:effectLst/>
-                          <a:latin typeface="+mn-ea"/>
-                          <a:ea typeface="+mn-ea"/>
-                          <a:cs typeface="+mn-cs"/>
-                        </a:rPr>
-                        <a:t>/</a:t>
-                      </a:r>
-                      <a:endParaRPr lang="en-US" altLang="zh-CN" sz="1000" b="1" i="0" u="none" strike="noStrike" kern="1200" dirty="0">
-                        <a:solidFill>
-                          <a:srgbClr val="000000"/>
-                        </a:solidFill>
-                        <a:effectLst/>
-                        <a:latin typeface="+mn-ea"/>
-                        <a:ea typeface="+mn-ea"/>
-                        <a:cs typeface="+mn-cs"/>
-                      </a:endParaRPr>
-                    </a:p>
-                  </a:txBody>
-                  <a:tcPr marL="0" marR="0" marT="0" marB="0" anchor="ctr"/>
-                </a:tc>
-                <a:tc>
-                  <a:txBody>
-                    <a:bodyPr/>
-                    <a:lstStyle/>
-                    <a:p>
-                      <a:pPr algn="ctr" fontAlgn="b"/>
-                      <a:endParaRPr lang="zh-CN" altLang="en-US" sz="1000" b="1" i="0" u="none" strike="noStrike" kern="1200" dirty="0">
-                        <a:solidFill>
-                          <a:srgbClr val="000000"/>
-                        </a:solidFill>
-                        <a:effectLst/>
-                        <a:latin typeface="+mn-ea"/>
-                        <a:ea typeface="+mn-ea"/>
-                        <a:cs typeface="+mn-cs"/>
-                      </a:endParaRPr>
-                    </a:p>
-                  </a:txBody>
-                  <a:tcPr marL="0" marR="0" marT="0" marB="0" anchor="ctr"/>
-                </a:tc>
-                <a:tc>
-                  <a:txBody>
-                    <a:bodyPr/>
-                    <a:lstStyle/>
-                    <a:p>
-                      <a:pPr algn="ctr" fontAlgn="b"/>
-                      <a:r>
-                        <a:rPr lang="en-US" altLang="zh-CN" sz="1000" b="1" i="0" u="none" strike="noStrike" kern="1200" dirty="0" smtClean="0">
-                          <a:solidFill>
-                            <a:srgbClr val="000000"/>
-                          </a:solidFill>
-                          <a:effectLst/>
-                          <a:latin typeface="+mn-ea"/>
-                          <a:ea typeface="+mn-ea"/>
-                          <a:cs typeface="+mn-cs"/>
-                        </a:rPr>
-                        <a:t>R</a:t>
-                      </a:r>
-                      <a:endParaRPr lang="zh-CN" altLang="en-US" sz="1000" b="1" i="0" u="none" strike="noStrike" kern="1200" dirty="0">
-                        <a:solidFill>
-                          <a:srgbClr val="000000"/>
-                        </a:solidFill>
-                        <a:effectLst/>
-                        <a:latin typeface="+mn-ea"/>
-                        <a:ea typeface="+mn-ea"/>
-                        <a:cs typeface="+mn-cs"/>
-                      </a:endParaRPr>
-                    </a:p>
-                  </a:txBody>
-                  <a:tcPr marL="0" marR="0" marT="0" marB="0" anchor="ctr"/>
-                </a:tc>
-              </a:tr>
-              <a:tr h="215998">
-                <a:tc>
-                  <a:txBody>
-                    <a:bodyPr/>
-                    <a:lstStyle/>
-                    <a:p>
-                      <a:pPr algn="ctr" fontAlgn="ctr"/>
-                      <a:endParaRPr lang="en-US" sz="1000" b="1" i="0" u="none" strike="noStrike" dirty="0">
-                        <a:solidFill>
-                          <a:srgbClr val="000000"/>
-                        </a:solidFill>
-                        <a:effectLst/>
-                        <a:latin typeface="Arial"/>
-                      </a:endParaRPr>
-                    </a:p>
-                  </a:txBody>
-                  <a:tcPr marL="0" marR="0" marT="0" marB="0" anchor="ctr">
-                    <a:solidFill>
-                      <a:schemeClr val="tx2">
-                        <a:lumMod val="20000"/>
-                        <a:lumOff val="80000"/>
-                      </a:schemeClr>
-                    </a:solidFill>
-                  </a:tcPr>
-                </a:tc>
-                <a:tc>
-                  <a:txBody>
-                    <a:bodyPr/>
-                    <a:lstStyle/>
-                    <a:p>
-                      <a:pPr algn="l" fontAlgn="ctr"/>
-                      <a:r>
-                        <a:rPr lang="zh-CN" altLang="en-US" sz="1000" b="0" i="0" u="none" strike="noStrike" dirty="0" smtClean="0">
-                          <a:solidFill>
-                            <a:srgbClr val="000000"/>
-                          </a:solidFill>
-                          <a:effectLst/>
-                          <a:latin typeface="Arial"/>
-                        </a:rPr>
-                        <a:t>电机电压</a:t>
-                      </a:r>
-                      <a:endParaRPr lang="en-US" sz="1000" b="0" i="0" u="none" strike="noStrike" dirty="0">
-                        <a:solidFill>
-                          <a:srgbClr val="000000"/>
-                        </a:solidFill>
-                        <a:effectLst/>
-                        <a:latin typeface="Arial"/>
-                      </a:endParaRPr>
-                    </a:p>
-                  </a:txBody>
-                  <a:tcPr marL="0" marR="0" marT="0" marB="0" anchor="ctr">
-                    <a:solidFill>
-                      <a:schemeClr val="tx2">
-                        <a:lumMod val="20000"/>
-                        <a:lumOff val="80000"/>
-                      </a:schemeClr>
-                    </a:solidFill>
-                  </a:tcPr>
-                </a:tc>
-                <a:tc>
-                  <a:txBody>
-                    <a:bodyPr/>
-                    <a:lstStyle/>
-                    <a:p>
-                      <a:pPr algn="ctr" fontAlgn="b"/>
-                      <a:r>
-                        <a:rPr lang="en-US" altLang="zh-CN" sz="1000" b="1" i="0" u="none" strike="noStrike" kern="1200" dirty="0" smtClean="0">
-                          <a:solidFill>
-                            <a:srgbClr val="000000"/>
-                          </a:solidFill>
-                          <a:effectLst/>
-                          <a:latin typeface="+mn-ea"/>
-                          <a:ea typeface="+mn-ea"/>
-                          <a:cs typeface="+mn-cs"/>
-                        </a:rPr>
-                        <a:t>R</a:t>
-                      </a:r>
-                      <a:endParaRPr lang="zh-CN" altLang="en-US" sz="1000" b="1" i="0" u="none" strike="noStrike" kern="1200" dirty="0">
-                        <a:solidFill>
-                          <a:srgbClr val="000000"/>
-                        </a:solidFill>
-                        <a:effectLst/>
-                        <a:latin typeface="+mn-ea"/>
-                        <a:ea typeface="+mn-ea"/>
-                        <a:cs typeface="+mn-cs"/>
-                      </a:endParaRPr>
-                    </a:p>
-                  </a:txBody>
-                  <a:tcPr marL="0" marR="0" marT="0" marB="0" anchor="ctr"/>
-                </a:tc>
-                <a:tc>
-                  <a:txBody>
-                    <a:bodyPr/>
-                    <a:lstStyle/>
-                    <a:p>
-                      <a:pPr algn="ctr" fontAlgn="b"/>
-                      <a:endParaRPr lang="zh-CN" altLang="en-US" sz="1000" b="1" i="0" u="none" strike="noStrike" kern="1200" dirty="0">
-                        <a:solidFill>
-                          <a:srgbClr val="000000"/>
-                        </a:solidFill>
-                        <a:effectLst/>
-                        <a:latin typeface="+mn-ea"/>
-                        <a:ea typeface="+mn-ea"/>
-                        <a:cs typeface="+mn-cs"/>
-                      </a:endParaRPr>
-                    </a:p>
-                  </a:txBody>
-                  <a:tcPr marL="0" marR="0" marT="0" marB="0" anchor="ctr"/>
-                </a:tc>
-                <a:tc>
-                  <a:txBody>
-                    <a:bodyPr/>
-                    <a:lstStyle/>
-                    <a:p>
-                      <a:pPr algn="ctr" fontAlgn="b"/>
-                      <a:endParaRPr lang="zh-CN" altLang="en-US" sz="1000" b="1" i="0" u="none" strike="noStrike" kern="1200" dirty="0">
-                        <a:solidFill>
-                          <a:srgbClr val="000000"/>
-                        </a:solidFill>
-                        <a:effectLst/>
-                        <a:latin typeface="+mn-ea"/>
-                        <a:ea typeface="+mn-ea"/>
-                        <a:cs typeface="+mn-cs"/>
-                      </a:endParaRPr>
-                    </a:p>
-                  </a:txBody>
-                  <a:tcPr marL="0" marR="0" marT="0" marB="0" anchor="ctr"/>
-                </a:tc>
-                <a:tc>
-                  <a:txBody>
-                    <a:bodyPr/>
-                    <a:lstStyle/>
-                    <a:p>
-                      <a:pPr algn="ctr" fontAlgn="ctr"/>
-                      <a:r>
-                        <a:rPr lang="en-US" altLang="zh-CN" sz="1000" b="1" i="0" u="none" strike="noStrike" kern="1200" dirty="0" smtClean="0">
-                          <a:solidFill>
-                            <a:srgbClr val="000000"/>
-                          </a:solidFill>
-                          <a:effectLst/>
-                          <a:latin typeface="+mn-ea"/>
-                          <a:ea typeface="+mn-ea"/>
-                          <a:cs typeface="+mn-cs"/>
-                        </a:rPr>
-                        <a:t>/</a:t>
-                      </a:r>
-                      <a:endParaRPr lang="en-US" altLang="zh-CN" sz="1000" b="1" i="0" u="none" strike="noStrike" kern="1200" dirty="0">
-                        <a:solidFill>
-                          <a:srgbClr val="000000"/>
-                        </a:solidFill>
-                        <a:effectLst/>
-                        <a:latin typeface="+mn-ea"/>
-                        <a:ea typeface="+mn-ea"/>
-                        <a:cs typeface="+mn-cs"/>
-                      </a:endParaRPr>
-                    </a:p>
-                  </a:txBody>
-                  <a:tcPr marL="0" marR="0" marT="0" marB="0" anchor="ctr"/>
-                </a:tc>
-                <a:tc>
-                  <a:txBody>
-                    <a:bodyPr/>
-                    <a:lstStyle/>
-                    <a:p>
-                      <a:pPr algn="ctr" fontAlgn="b"/>
-                      <a:endParaRPr lang="zh-CN" altLang="en-US" sz="1000" b="1" i="0" u="none" strike="noStrike" kern="1200" dirty="0">
-                        <a:solidFill>
-                          <a:srgbClr val="000000"/>
-                        </a:solidFill>
-                        <a:effectLst/>
-                        <a:latin typeface="+mn-ea"/>
-                        <a:ea typeface="+mn-ea"/>
-                        <a:cs typeface="+mn-cs"/>
-                      </a:endParaRPr>
-                    </a:p>
-                  </a:txBody>
-                  <a:tcPr marL="0" marR="0" marT="0" marB="0" anchor="ctr"/>
-                </a:tc>
-                <a:tc>
-                  <a:txBody>
-                    <a:bodyPr/>
-                    <a:lstStyle/>
-                    <a:p>
-                      <a:pPr algn="ctr" fontAlgn="b"/>
-                      <a:r>
-                        <a:rPr lang="en-US" altLang="zh-CN" sz="1000" b="1" i="0" u="none" strike="noStrike" kern="1200" dirty="0" smtClean="0">
-                          <a:solidFill>
-                            <a:srgbClr val="000000"/>
-                          </a:solidFill>
-                          <a:effectLst/>
-                          <a:latin typeface="+mn-ea"/>
-                          <a:ea typeface="+mn-ea"/>
-                          <a:cs typeface="+mn-cs"/>
-                        </a:rPr>
-                        <a:t>R</a:t>
-                      </a:r>
-                      <a:endParaRPr lang="zh-CN" altLang="en-US" sz="1000" b="1" i="0" u="none" strike="noStrike" kern="1200" dirty="0">
-                        <a:solidFill>
-                          <a:srgbClr val="000000"/>
-                        </a:solidFill>
-                        <a:effectLst/>
-                        <a:latin typeface="+mn-ea"/>
-                        <a:ea typeface="+mn-ea"/>
-                        <a:cs typeface="+mn-cs"/>
-                      </a:endParaRPr>
-                    </a:p>
-                  </a:txBody>
-                  <a:tcPr marL="0" marR="0" marT="0" marB="0" anchor="ctr"/>
-                </a:tc>
-              </a:tr>
-              <a:tr h="215998">
-                <a:tc>
-                  <a:txBody>
-                    <a:bodyPr/>
-                    <a:lstStyle/>
-                    <a:p>
-                      <a:pPr algn="ctr" fontAlgn="ctr"/>
-                      <a:r>
-                        <a:rPr lang="en-US" sz="1000" u="none" strike="noStrike" dirty="0">
-                          <a:effectLst/>
-                        </a:rPr>
-                        <a:t>BCM</a:t>
-                      </a:r>
-                      <a:endParaRPr lang="en-US" sz="1000" b="1" i="0" u="none" strike="noStrike" dirty="0">
-                        <a:solidFill>
-                          <a:srgbClr val="000000"/>
-                        </a:solidFill>
-                        <a:effectLst/>
-                        <a:latin typeface="Arial"/>
-                      </a:endParaRPr>
-                    </a:p>
-                  </a:txBody>
-                  <a:tcPr marL="0" marR="0" marT="0" marB="0" anchor="ctr">
-                    <a:solidFill>
-                      <a:schemeClr val="accent1">
-                        <a:lumMod val="20000"/>
-                        <a:lumOff val="80000"/>
-                      </a:schemeClr>
-                    </a:solidFill>
-                  </a:tcPr>
-                </a:tc>
-                <a:tc>
-                  <a:txBody>
-                    <a:bodyPr/>
-                    <a:lstStyle/>
-                    <a:p>
-                      <a:pPr algn="l" fontAlgn="ctr"/>
-                      <a:r>
-                        <a:rPr lang="zh-CN" altLang="en-US" sz="1000" b="0" i="0" u="none" strike="noStrike" dirty="0" smtClean="0">
-                          <a:solidFill>
-                            <a:srgbClr val="000000"/>
-                          </a:solidFill>
-                          <a:effectLst/>
-                          <a:latin typeface="Arial"/>
-                        </a:rPr>
-                        <a:t>车外环境温度</a:t>
-                      </a:r>
-                      <a:endParaRPr lang="en-US" sz="1000" b="0" i="0" u="none" strike="noStrike" dirty="0">
-                        <a:solidFill>
-                          <a:srgbClr val="000000"/>
-                        </a:solidFill>
-                        <a:effectLst/>
-                        <a:latin typeface="Arial"/>
-                      </a:endParaRPr>
-                    </a:p>
-                  </a:txBody>
-                  <a:tcPr marL="0" marR="0" marT="0" marB="0" anchor="ctr">
-                    <a:solidFill>
-                      <a:schemeClr val="accent1">
-                        <a:lumMod val="20000"/>
-                        <a:lumOff val="80000"/>
-                      </a:schemeClr>
-                    </a:solidFill>
-                  </a:tcPr>
-                </a:tc>
-                <a:tc>
-                  <a:txBody>
-                    <a:bodyPr/>
-                    <a:lstStyle/>
-                    <a:p>
-                      <a:pPr algn="ctr" fontAlgn="b"/>
-                      <a:r>
-                        <a:rPr lang="en-US" altLang="zh-CN" sz="1000" b="1" i="0" u="none" strike="noStrike" kern="1200" dirty="0" smtClean="0">
-                          <a:solidFill>
-                            <a:srgbClr val="000000"/>
-                          </a:solidFill>
-                          <a:effectLst/>
-                          <a:latin typeface="+mn-ea"/>
-                          <a:ea typeface="+mn-ea"/>
-                          <a:cs typeface="+mn-cs"/>
-                        </a:rPr>
-                        <a:t>R</a:t>
-                      </a:r>
-                      <a:endParaRPr lang="zh-CN" altLang="en-US" sz="1000" b="1" i="0" u="none" strike="noStrike" kern="1200" dirty="0">
-                        <a:solidFill>
-                          <a:srgbClr val="000000"/>
-                        </a:solidFill>
-                        <a:effectLst/>
-                        <a:latin typeface="+mn-ea"/>
-                        <a:ea typeface="+mn-ea"/>
-                        <a:cs typeface="+mn-cs"/>
-                      </a:endParaRPr>
-                    </a:p>
-                  </a:txBody>
-                  <a:tcPr marL="0" marR="0" marT="0" marB="0" anchor="ctr"/>
-                </a:tc>
-                <a:tc>
-                  <a:txBody>
-                    <a:bodyPr/>
-                    <a:lstStyle/>
-                    <a:p>
-                      <a:pPr algn="ctr" fontAlgn="b"/>
-                      <a:r>
-                        <a:rPr lang="zh-CN" altLang="en-US" sz="1000" b="1" i="0" u="none" strike="noStrike" kern="1200" dirty="0">
-                          <a:solidFill>
-                            <a:srgbClr val="000000"/>
-                          </a:solidFill>
-                          <a:effectLst/>
-                          <a:latin typeface="+mn-ea"/>
-                          <a:ea typeface="+mn-ea"/>
-                          <a:cs typeface="+mn-cs"/>
-                        </a:rPr>
-                        <a:t>　</a:t>
-                      </a:r>
-                    </a:p>
-                  </a:txBody>
-                  <a:tcPr marL="0" marR="0" marT="0" marB="0" anchor="ctr"/>
-                </a:tc>
-                <a:tc>
-                  <a:txBody>
-                    <a:bodyPr/>
-                    <a:lstStyle/>
-                    <a:p>
-                      <a:pPr algn="ctr" fontAlgn="b"/>
-                      <a:r>
-                        <a:rPr lang="zh-CN" altLang="en-US" sz="1000" b="1" i="0" u="none" strike="noStrike" kern="1200" dirty="0">
-                          <a:solidFill>
-                            <a:srgbClr val="000000"/>
-                          </a:solidFill>
-                          <a:effectLst/>
-                          <a:latin typeface="+mn-ea"/>
-                          <a:ea typeface="+mn-ea"/>
-                          <a:cs typeface="+mn-cs"/>
-                        </a:rPr>
-                        <a:t>　</a:t>
-                      </a:r>
-                    </a:p>
-                  </a:txBody>
-                  <a:tcPr marL="0" marR="0" marT="0" marB="0" anchor="ctr"/>
-                </a:tc>
-                <a:tc>
-                  <a:txBody>
-                    <a:bodyPr/>
-                    <a:lstStyle/>
-                    <a:p>
-                      <a:pPr algn="ctr" fontAlgn="ctr"/>
-                      <a:r>
-                        <a:rPr lang="zh-CN" altLang="en-US" sz="1000" b="1" i="0" u="none" strike="noStrike" kern="1200" dirty="0">
-                          <a:solidFill>
-                            <a:srgbClr val="000000"/>
-                          </a:solidFill>
-                          <a:effectLst/>
-                          <a:latin typeface="+mn-ea"/>
-                          <a:ea typeface="+mn-ea"/>
-                          <a:cs typeface="+mn-cs"/>
-                        </a:rPr>
-                        <a:t>　</a:t>
-                      </a:r>
-                    </a:p>
-                  </a:txBody>
-                  <a:tcPr marL="0" marR="0" marT="0" marB="0" anchor="ctr"/>
-                </a:tc>
-                <a:tc>
-                  <a:txBody>
-                    <a:bodyPr/>
-                    <a:lstStyle/>
-                    <a:p>
-                      <a:pPr algn="ctr" fontAlgn="ctr"/>
-                      <a:r>
-                        <a:rPr lang="en-US" altLang="zh-CN" sz="1000" b="1" i="0" u="none" strike="noStrike" kern="1200" dirty="0">
-                          <a:solidFill>
-                            <a:srgbClr val="000000"/>
-                          </a:solidFill>
-                          <a:effectLst/>
-                          <a:latin typeface="+mn-ea"/>
-                          <a:ea typeface="+mn-ea"/>
-                          <a:cs typeface="+mn-cs"/>
-                        </a:rPr>
-                        <a:t>/</a:t>
-                      </a:r>
-                    </a:p>
-                  </a:txBody>
-                  <a:tcPr marL="0" marR="0" marT="0" marB="0" anchor="ctr"/>
-                </a:tc>
-                <a:tc>
-                  <a:txBody>
-                    <a:bodyPr/>
-                    <a:lstStyle/>
-                    <a:p>
-                      <a:pPr algn="ctr" fontAlgn="b"/>
-                      <a:r>
-                        <a:rPr lang="en-US" altLang="zh-CN" sz="1000" b="1" i="0" u="none" strike="noStrike" kern="1200" dirty="0" smtClean="0">
-                          <a:solidFill>
-                            <a:srgbClr val="000000"/>
-                          </a:solidFill>
-                          <a:effectLst/>
-                          <a:latin typeface="+mn-ea"/>
-                          <a:ea typeface="+mn-ea"/>
-                          <a:cs typeface="+mn-cs"/>
-                        </a:rPr>
-                        <a:t>R</a:t>
-                      </a:r>
-                      <a:r>
-                        <a:rPr lang="zh-CN" altLang="en-US" sz="1000" b="1" i="0" u="none" strike="noStrike" kern="1200" dirty="0">
-                          <a:solidFill>
-                            <a:srgbClr val="000000"/>
-                          </a:solidFill>
-                          <a:effectLst/>
-                          <a:latin typeface="+mn-ea"/>
-                          <a:ea typeface="+mn-ea"/>
-                          <a:cs typeface="+mn-cs"/>
-                        </a:rPr>
-                        <a:t>　</a:t>
-                      </a:r>
-                    </a:p>
-                  </a:txBody>
-                  <a:tcPr marL="0" marR="0" marT="0" marB="0" anchor="ctr"/>
-                </a:tc>
-              </a:tr>
-              <a:tr h="215998">
-                <a:tc>
-                  <a:txBody>
-                    <a:bodyPr/>
-                    <a:lstStyle/>
-                    <a:p>
-                      <a:pPr algn="ctr" fontAlgn="ctr"/>
-                      <a:endParaRPr lang="en-US" sz="1000" b="1" i="0" u="none" strike="noStrike" dirty="0">
-                        <a:solidFill>
-                          <a:srgbClr val="000000"/>
-                        </a:solidFill>
-                        <a:effectLst/>
-                        <a:latin typeface="Arial"/>
-                      </a:endParaRPr>
-                    </a:p>
-                  </a:txBody>
-                  <a:tcPr marL="0" marR="0" marT="0" marB="0" anchor="ctr">
-                    <a:solidFill>
-                      <a:schemeClr val="accent1">
-                        <a:lumMod val="20000"/>
-                        <a:lumOff val="80000"/>
-                      </a:schemeClr>
-                    </a:solidFill>
-                  </a:tcPr>
-                </a:tc>
-                <a:tc>
-                  <a:txBody>
-                    <a:bodyPr/>
-                    <a:lstStyle/>
-                    <a:p>
-                      <a:pPr algn="l" fontAlgn="ctr"/>
-                      <a:r>
-                        <a:rPr lang="zh-CN" altLang="en-US" sz="1000" b="0" i="0" u="none" strike="noStrike" dirty="0" smtClean="0">
-                          <a:solidFill>
-                            <a:srgbClr val="000000"/>
-                          </a:solidFill>
-                          <a:effectLst/>
-                          <a:latin typeface="Arial"/>
-                        </a:rPr>
-                        <a:t>灯光控制信号</a:t>
-                      </a:r>
-                      <a:endParaRPr lang="en-US" sz="1000" b="0" i="0" u="none" strike="noStrike" dirty="0">
-                        <a:solidFill>
-                          <a:srgbClr val="000000"/>
-                        </a:solidFill>
-                        <a:effectLst/>
-                        <a:latin typeface="Arial"/>
-                      </a:endParaRPr>
-                    </a:p>
-                  </a:txBody>
-                  <a:tcPr marL="0" marR="0" marT="0" marB="0" anchor="ctr">
-                    <a:solidFill>
-                      <a:schemeClr val="accent1">
-                        <a:lumMod val="20000"/>
-                        <a:lumOff val="80000"/>
-                      </a:schemeClr>
-                    </a:solidFill>
-                  </a:tcPr>
-                </a:tc>
-                <a:tc>
-                  <a:txBody>
-                    <a:bodyPr/>
-                    <a:lstStyle/>
-                    <a:p>
-                      <a:pPr algn="ctr" fontAlgn="b"/>
-                      <a:endParaRPr lang="zh-CN" altLang="en-US" sz="1000" b="1" i="0" u="none" strike="noStrike" kern="1200" dirty="0">
+                      <a:endParaRPr lang="zh-CN" altLang="en-US" sz="1000" b="1" i="0" u="none" strike="noStrike" kern="1200" dirty="0" smtClean="0">
                         <a:solidFill>
                           <a:srgbClr val="000000"/>
                         </a:solidFill>
